--- a/putyourcontrollersonadietv2/ControllersOnADiet.pptx
+++ b/putyourcontrollersonadietv2/ControllersOnADiet.pptx
@@ -2,15 +2,17 @@
 <file path=ppt/presentation.xml><?xml version="1.0" encoding="utf-8"?>
 <p:presentation xmlns:a="http://schemas.openxmlformats.org/drawingml/2006/main" xmlns:r="http://schemas.openxmlformats.org/officeDocument/2006/relationships" xmlns:p="http://schemas.openxmlformats.org/presentationml/2006/main" saveSubsetFonts="1">
   <p:sldMasterIdLst>
-    <p:sldMasterId id="2147483660" r:id="rId1"/>
+    <p:sldMasterId id="2147483684" r:id="rId1"/>
   </p:sldMasterIdLst>
   <p:notesMasterIdLst>
-    <p:notesMasterId r:id="rId3"/>
+    <p:notesMasterId r:id="rId5"/>
   </p:notesMasterIdLst>
   <p:sldIdLst>
-    <p:sldId id="257" r:id="rId2"/>
+    <p:sldId id="258" r:id="rId2"/>
+    <p:sldId id="259" r:id="rId3"/>
+    <p:sldId id="260" r:id="rId4"/>
   </p:sldIdLst>
-  <p:sldSz cx="9144000" cy="6858000" type="screen4x3"/>
+  <p:sldSz cx="12192000" cy="6858000"/>
   <p:notesSz cx="6858000" cy="9144000"/>
   <p:defaultTextStyle>
     <a:defPPr>
@@ -197,7 +199,7 @@
           <a:p>
             <a:fld id="{1F97ECA5-4044-4ED6-8472-6668B9C1F77C}" type="datetimeFigureOut">
               <a:rPr lang="en-US" smtClean="0"/>
-              <a:t>4/28/2015</a:t>
+              <a:t>8/10/2015</a:t>
             </a:fld>
             <a:endParaRPr lang="en-US"/>
           </a:p>
@@ -215,8 +217,8 @@
         </p:nvSpPr>
         <p:spPr>
           <a:xfrm>
-            <a:off x="1371600" y="1143000"/>
-            <a:ext cx="4114800" cy="3086100"/>
+            <a:off x="685800" y="1143000"/>
+            <a:ext cx="5486400" cy="3086100"/>
           </a:xfrm>
           <a:prstGeom prst="rect">
             <a:avLst/>
@@ -494,8 +496,8 @@
         </p:nvSpPr>
         <p:spPr>
           <a:xfrm>
-            <a:off x="1143000" y="685800"/>
-            <a:ext cx="4572000" cy="3429000"/>
+            <a:off x="381000" y="685800"/>
+            <a:ext cx="6096000" cy="3429000"/>
           </a:xfrm>
         </p:spPr>
       </p:sp>
@@ -534,17 +536,26 @@
           <a:lstStyle/>
           <a:p>
             <a:fld id="{DC42B9C4-3265-4C64-80EB-D0107FD08979}" type="slidenum">
-              <a:rPr lang="en-US" smtClean="0"/>
+              <a:rPr lang="en-US" smtClean="0">
+                <a:solidFill>
+                  <a:prstClr val="black"/>
+                </a:solidFill>
+              </a:rPr>
+              <a:pPr/>
               <a:t>1</a:t>
             </a:fld>
-            <a:endParaRPr lang="en-US"/>
+            <a:endParaRPr lang="en-US">
+              <a:solidFill>
+                <a:prstClr val="black"/>
+              </a:solidFill>
+            </a:endParaRPr>
           </a:p>
         </p:txBody>
       </p:sp>
     </p:spTree>
     <p:extLst>
       <p:ext uri="{BB962C8B-B14F-4D97-AF65-F5344CB8AC3E}">
-        <p14:creationId xmlns:p14="http://schemas.microsoft.com/office/powerpoint/2010/main" val="4200398286"/>
+        <p14:creationId xmlns:p14="http://schemas.microsoft.com/office/powerpoint/2010/main" val="304682816"/>
       </p:ext>
     </p:extLst>
   </p:cSld>
@@ -583,8 +594,8 @@
         </p:nvSpPr>
         <p:spPr>
           <a:xfrm>
-            <a:off x="685800" y="1122363"/>
-            <a:ext cx="7772400" cy="2387600"/>
+            <a:off x="1524000" y="1122363"/>
+            <a:ext cx="9144000" cy="2387600"/>
           </a:xfrm>
         </p:spPr>
         <p:txBody>
@@ -599,7 +610,7 @@
               <a:rPr lang="en-US" smtClean="0"/>
               <a:t>Click to edit Master title style</a:t>
             </a:r>
-            <a:endParaRPr lang="en-US" dirty="0"/>
+            <a:endParaRPr lang="en-US"/>
           </a:p>
         </p:txBody>
       </p:sp>
@@ -615,8 +626,8 @@
         </p:nvSpPr>
         <p:spPr>
           <a:xfrm>
-            <a:off x="1143000" y="3602038"/>
-            <a:ext cx="6858000" cy="1655762"/>
+            <a:off x="1524000" y="3602038"/>
+            <a:ext cx="9144000" cy="1655762"/>
           </a:xfrm>
         </p:spPr>
         <p:txBody>
@@ -664,7 +675,7 @@
               <a:rPr lang="en-US" smtClean="0"/>
               <a:t>Click to edit Master subtitle style</a:t>
             </a:r>
-            <a:endParaRPr lang="en-US" dirty="0"/>
+            <a:endParaRPr lang="en-US"/>
           </a:p>
         </p:txBody>
       </p:sp>
@@ -683,11 +694,24 @@
           <a:bodyPr/>
           <a:lstStyle/>
           <a:p>
-            <a:fld id="{00AB0D8E-E724-48D0-B7E1-3298C8355436}" type="datetimeFigureOut">
-              <a:rPr lang="en-US" smtClean="0"/>
-              <a:t>4/28/2015</a:t>
+            <a:fld id="{A2B0D24E-6441-4C34-9150-7D417DBEA707}" type="datetimeFigureOut">
+              <a:rPr lang="en-US" smtClean="0">
+                <a:solidFill>
+                  <a:prstClr val="black">
+                    <a:tint val="75000"/>
+                  </a:prstClr>
+                </a:solidFill>
+              </a:rPr>
+              <a:pPr/>
+              <a:t>8/10/2015</a:t>
             </a:fld>
-            <a:endParaRPr lang="en-US"/>
+            <a:endParaRPr lang="en-US">
+              <a:solidFill>
+                <a:prstClr val="black">
+                  <a:tint val="75000"/>
+                </a:prstClr>
+              </a:solidFill>
+            </a:endParaRPr>
           </a:p>
         </p:txBody>
       </p:sp>
@@ -706,7 +730,13 @@
           <a:bodyPr/>
           <a:lstStyle/>
           <a:p>
-            <a:endParaRPr lang="en-US"/>
+            <a:endParaRPr lang="en-US">
+              <a:solidFill>
+                <a:prstClr val="black">
+                  <a:tint val="75000"/>
+                </a:prstClr>
+              </a:solidFill>
+            </a:endParaRPr>
           </a:p>
         </p:txBody>
       </p:sp>
@@ -725,18 +755,31 @@
           <a:bodyPr/>
           <a:lstStyle/>
           <a:p>
-            <a:fld id="{D55DDE4B-622D-42B7-8407-850B26520B38}" type="slidenum">
-              <a:rPr lang="en-US" smtClean="0"/>
+            <a:fld id="{57D0A104-0528-4A3E-8FC6-C371919B02AC}" type="slidenum">
+              <a:rPr lang="en-US" smtClean="0">
+                <a:solidFill>
+                  <a:prstClr val="black">
+                    <a:tint val="75000"/>
+                  </a:prstClr>
+                </a:solidFill>
+              </a:rPr>
+              <a:pPr/>
               <a:t>‹#›</a:t>
             </a:fld>
-            <a:endParaRPr lang="en-US"/>
+            <a:endParaRPr lang="en-US">
+              <a:solidFill>
+                <a:prstClr val="black">
+                  <a:tint val="75000"/>
+                </a:prstClr>
+              </a:solidFill>
+            </a:endParaRPr>
           </a:p>
         </p:txBody>
       </p:sp>
     </p:spTree>
     <p:extLst>
       <p:ext uri="{BB962C8B-B14F-4D97-AF65-F5344CB8AC3E}">
-        <p14:creationId xmlns:p14="http://schemas.microsoft.com/office/powerpoint/2010/main" val="3315378128"/>
+        <p14:creationId xmlns:p14="http://schemas.microsoft.com/office/powerpoint/2010/main" val="2354310741"/>
       </p:ext>
     </p:extLst>
   </p:cSld>
@@ -782,7 +825,7 @@
               <a:rPr lang="en-US" smtClean="0"/>
               <a:t>Click to edit Master title style</a:t>
             </a:r>
-            <a:endParaRPr lang="en-US" dirty="0"/>
+            <a:endParaRPr lang="en-US"/>
           </a:p>
         </p:txBody>
       </p:sp>
@@ -834,7 +877,7 @@
               <a:rPr lang="en-US" smtClean="0"/>
               <a:t>Fifth level</a:t>
             </a:r>
-            <a:endParaRPr lang="en-US" dirty="0"/>
+            <a:endParaRPr lang="en-US"/>
           </a:p>
         </p:txBody>
       </p:sp>
@@ -853,11 +896,24 @@
           <a:bodyPr/>
           <a:lstStyle/>
           <a:p>
-            <a:fld id="{00AB0D8E-E724-48D0-B7E1-3298C8355436}" type="datetimeFigureOut">
-              <a:rPr lang="en-US" smtClean="0"/>
-              <a:t>4/28/2015</a:t>
+            <a:fld id="{A2B0D24E-6441-4C34-9150-7D417DBEA707}" type="datetimeFigureOut">
+              <a:rPr lang="en-US" smtClean="0">
+                <a:solidFill>
+                  <a:prstClr val="black">
+                    <a:tint val="75000"/>
+                  </a:prstClr>
+                </a:solidFill>
+              </a:rPr>
+              <a:pPr/>
+              <a:t>8/10/2015</a:t>
             </a:fld>
-            <a:endParaRPr lang="en-US"/>
+            <a:endParaRPr lang="en-US">
+              <a:solidFill>
+                <a:prstClr val="black">
+                  <a:tint val="75000"/>
+                </a:prstClr>
+              </a:solidFill>
+            </a:endParaRPr>
           </a:p>
         </p:txBody>
       </p:sp>
@@ -876,7 +932,13 @@
           <a:bodyPr/>
           <a:lstStyle/>
           <a:p>
-            <a:endParaRPr lang="en-US"/>
+            <a:endParaRPr lang="en-US">
+              <a:solidFill>
+                <a:prstClr val="black">
+                  <a:tint val="75000"/>
+                </a:prstClr>
+              </a:solidFill>
+            </a:endParaRPr>
           </a:p>
         </p:txBody>
       </p:sp>
@@ -895,18 +957,31 @@
           <a:bodyPr/>
           <a:lstStyle/>
           <a:p>
-            <a:fld id="{D55DDE4B-622D-42B7-8407-850B26520B38}" type="slidenum">
-              <a:rPr lang="en-US" smtClean="0"/>
+            <a:fld id="{57D0A104-0528-4A3E-8FC6-C371919B02AC}" type="slidenum">
+              <a:rPr lang="en-US" smtClean="0">
+                <a:solidFill>
+                  <a:prstClr val="black">
+                    <a:tint val="75000"/>
+                  </a:prstClr>
+                </a:solidFill>
+              </a:rPr>
+              <a:pPr/>
               <a:t>‹#›</a:t>
             </a:fld>
-            <a:endParaRPr lang="en-US"/>
+            <a:endParaRPr lang="en-US">
+              <a:solidFill>
+                <a:prstClr val="black">
+                  <a:tint val="75000"/>
+                </a:prstClr>
+              </a:solidFill>
+            </a:endParaRPr>
           </a:p>
         </p:txBody>
       </p:sp>
     </p:spTree>
     <p:extLst>
       <p:ext uri="{BB962C8B-B14F-4D97-AF65-F5344CB8AC3E}">
-        <p14:creationId xmlns:p14="http://schemas.microsoft.com/office/powerpoint/2010/main" val="1662437077"/>
+        <p14:creationId xmlns:p14="http://schemas.microsoft.com/office/powerpoint/2010/main" val="3615179935"/>
       </p:ext>
     </p:extLst>
   </p:cSld>
@@ -945,8 +1020,8 @@
         </p:nvSpPr>
         <p:spPr>
           <a:xfrm>
-            <a:off x="6543675" y="365125"/>
-            <a:ext cx="1971675" cy="5811838"/>
+            <a:off x="8724900" y="365125"/>
+            <a:ext cx="2628900" cy="5811838"/>
           </a:xfrm>
         </p:spPr>
         <p:txBody>
@@ -957,7 +1032,7 @@
               <a:rPr lang="en-US" smtClean="0"/>
               <a:t>Click to edit Master title style</a:t>
             </a:r>
-            <a:endParaRPr lang="en-US" dirty="0"/>
+            <a:endParaRPr lang="en-US"/>
           </a:p>
         </p:txBody>
       </p:sp>
@@ -973,8 +1048,8 @@
         </p:nvSpPr>
         <p:spPr>
           <a:xfrm>
-            <a:off x="628650" y="365125"/>
-            <a:ext cx="5800725" cy="5811838"/>
+            <a:off x="838200" y="365125"/>
+            <a:ext cx="7734300" cy="5811838"/>
           </a:xfrm>
         </p:spPr>
         <p:txBody>
@@ -1014,7 +1089,7 @@
               <a:rPr lang="en-US" smtClean="0"/>
               <a:t>Fifth level</a:t>
             </a:r>
-            <a:endParaRPr lang="en-US" dirty="0"/>
+            <a:endParaRPr lang="en-US"/>
           </a:p>
         </p:txBody>
       </p:sp>
@@ -1033,11 +1108,24 @@
           <a:bodyPr/>
           <a:lstStyle/>
           <a:p>
-            <a:fld id="{00AB0D8E-E724-48D0-B7E1-3298C8355436}" type="datetimeFigureOut">
-              <a:rPr lang="en-US" smtClean="0"/>
-              <a:t>4/28/2015</a:t>
+            <a:fld id="{A2B0D24E-6441-4C34-9150-7D417DBEA707}" type="datetimeFigureOut">
+              <a:rPr lang="en-US" smtClean="0">
+                <a:solidFill>
+                  <a:prstClr val="black">
+                    <a:tint val="75000"/>
+                  </a:prstClr>
+                </a:solidFill>
+              </a:rPr>
+              <a:pPr/>
+              <a:t>8/10/2015</a:t>
             </a:fld>
-            <a:endParaRPr lang="en-US"/>
+            <a:endParaRPr lang="en-US">
+              <a:solidFill>
+                <a:prstClr val="black">
+                  <a:tint val="75000"/>
+                </a:prstClr>
+              </a:solidFill>
+            </a:endParaRPr>
           </a:p>
         </p:txBody>
       </p:sp>
@@ -1056,7 +1144,13 @@
           <a:bodyPr/>
           <a:lstStyle/>
           <a:p>
-            <a:endParaRPr lang="en-US"/>
+            <a:endParaRPr lang="en-US">
+              <a:solidFill>
+                <a:prstClr val="black">
+                  <a:tint val="75000"/>
+                </a:prstClr>
+              </a:solidFill>
+            </a:endParaRPr>
           </a:p>
         </p:txBody>
       </p:sp>
@@ -1075,18 +1169,31 @@
           <a:bodyPr/>
           <a:lstStyle/>
           <a:p>
-            <a:fld id="{D55DDE4B-622D-42B7-8407-850B26520B38}" type="slidenum">
-              <a:rPr lang="en-US" smtClean="0"/>
+            <a:fld id="{57D0A104-0528-4A3E-8FC6-C371919B02AC}" type="slidenum">
+              <a:rPr lang="en-US" smtClean="0">
+                <a:solidFill>
+                  <a:prstClr val="black">
+                    <a:tint val="75000"/>
+                  </a:prstClr>
+                </a:solidFill>
+              </a:rPr>
+              <a:pPr/>
               <a:t>‹#›</a:t>
             </a:fld>
-            <a:endParaRPr lang="en-US"/>
+            <a:endParaRPr lang="en-US">
+              <a:solidFill>
+                <a:prstClr val="black">
+                  <a:tint val="75000"/>
+                </a:prstClr>
+              </a:solidFill>
+            </a:endParaRPr>
           </a:p>
         </p:txBody>
       </p:sp>
     </p:spTree>
     <p:extLst>
       <p:ext uri="{BB962C8B-B14F-4D97-AF65-F5344CB8AC3E}">
-        <p14:creationId xmlns:p14="http://schemas.microsoft.com/office/powerpoint/2010/main" val="1542422788"/>
+        <p14:creationId xmlns:p14="http://schemas.microsoft.com/office/powerpoint/2010/main" val="904073865"/>
       </p:ext>
     </p:extLst>
   </p:cSld>
@@ -1132,7 +1239,7 @@
               <a:rPr lang="en-US" smtClean="0"/>
               <a:t>Click to edit Master title style</a:t>
             </a:r>
-            <a:endParaRPr lang="en-US" dirty="0"/>
+            <a:endParaRPr lang="en-US"/>
           </a:p>
         </p:txBody>
       </p:sp>
@@ -1184,7 +1291,7 @@
               <a:rPr lang="en-US" smtClean="0"/>
               <a:t>Fifth level</a:t>
             </a:r>
-            <a:endParaRPr lang="en-US" dirty="0"/>
+            <a:endParaRPr lang="en-US"/>
           </a:p>
         </p:txBody>
       </p:sp>
@@ -1203,11 +1310,24 @@
           <a:bodyPr/>
           <a:lstStyle/>
           <a:p>
-            <a:fld id="{00AB0D8E-E724-48D0-B7E1-3298C8355436}" type="datetimeFigureOut">
-              <a:rPr lang="en-US" smtClean="0"/>
-              <a:t>4/28/2015</a:t>
+            <a:fld id="{A2B0D24E-6441-4C34-9150-7D417DBEA707}" type="datetimeFigureOut">
+              <a:rPr lang="en-US" smtClean="0">
+                <a:solidFill>
+                  <a:prstClr val="black">
+                    <a:tint val="75000"/>
+                  </a:prstClr>
+                </a:solidFill>
+              </a:rPr>
+              <a:pPr/>
+              <a:t>8/10/2015</a:t>
             </a:fld>
-            <a:endParaRPr lang="en-US"/>
+            <a:endParaRPr lang="en-US">
+              <a:solidFill>
+                <a:prstClr val="black">
+                  <a:tint val="75000"/>
+                </a:prstClr>
+              </a:solidFill>
+            </a:endParaRPr>
           </a:p>
         </p:txBody>
       </p:sp>
@@ -1226,7 +1346,13 @@
           <a:bodyPr/>
           <a:lstStyle/>
           <a:p>
-            <a:endParaRPr lang="en-US"/>
+            <a:endParaRPr lang="en-US">
+              <a:solidFill>
+                <a:prstClr val="black">
+                  <a:tint val="75000"/>
+                </a:prstClr>
+              </a:solidFill>
+            </a:endParaRPr>
           </a:p>
         </p:txBody>
       </p:sp>
@@ -1245,18 +1371,31 @@
           <a:bodyPr/>
           <a:lstStyle/>
           <a:p>
-            <a:fld id="{D55DDE4B-622D-42B7-8407-850B26520B38}" type="slidenum">
-              <a:rPr lang="en-US" smtClean="0"/>
+            <a:fld id="{57D0A104-0528-4A3E-8FC6-C371919B02AC}" type="slidenum">
+              <a:rPr lang="en-US" smtClean="0">
+                <a:solidFill>
+                  <a:prstClr val="black">
+                    <a:tint val="75000"/>
+                  </a:prstClr>
+                </a:solidFill>
+              </a:rPr>
+              <a:pPr/>
               <a:t>‹#›</a:t>
             </a:fld>
-            <a:endParaRPr lang="en-US"/>
+            <a:endParaRPr lang="en-US">
+              <a:solidFill>
+                <a:prstClr val="black">
+                  <a:tint val="75000"/>
+                </a:prstClr>
+              </a:solidFill>
+            </a:endParaRPr>
           </a:p>
         </p:txBody>
       </p:sp>
     </p:spTree>
     <p:extLst>
       <p:ext uri="{BB962C8B-B14F-4D97-AF65-F5344CB8AC3E}">
-        <p14:creationId xmlns:p14="http://schemas.microsoft.com/office/powerpoint/2010/main" val="1968290409"/>
+        <p14:creationId xmlns:p14="http://schemas.microsoft.com/office/powerpoint/2010/main" val="3298413341"/>
       </p:ext>
     </p:extLst>
   </p:cSld>
@@ -1295,8 +1434,8 @@
         </p:nvSpPr>
         <p:spPr>
           <a:xfrm>
-            <a:off x="623888" y="1709739"/>
-            <a:ext cx="7886700" cy="2852737"/>
+            <a:off x="831850" y="1709738"/>
+            <a:ext cx="10515600" cy="2852737"/>
           </a:xfrm>
         </p:spPr>
         <p:txBody>
@@ -1311,7 +1450,7 @@
               <a:rPr lang="en-US" smtClean="0"/>
               <a:t>Click to edit Master title style</a:t>
             </a:r>
-            <a:endParaRPr lang="en-US" dirty="0"/>
+            <a:endParaRPr lang="en-US"/>
           </a:p>
         </p:txBody>
       </p:sp>
@@ -1327,8 +1466,8 @@
         </p:nvSpPr>
         <p:spPr>
           <a:xfrm>
-            <a:off x="623888" y="4589464"/>
-            <a:ext cx="7886700" cy="1500187"/>
+            <a:off x="831850" y="4589463"/>
+            <a:ext cx="10515600" cy="1500187"/>
           </a:xfrm>
         </p:spPr>
         <p:txBody>
@@ -1338,7 +1477,9 @@
               <a:buNone/>
               <a:defRPr sz="2400">
                 <a:solidFill>
-                  <a:schemeClr val="tx1"/>
+                  <a:schemeClr val="tx1">
+                    <a:tint val="75000"/>
+                  </a:schemeClr>
                 </a:solidFill>
               </a:defRPr>
             </a:lvl1pPr>
@@ -1447,11 +1588,24 @@
           <a:bodyPr/>
           <a:lstStyle/>
           <a:p>
-            <a:fld id="{00AB0D8E-E724-48D0-B7E1-3298C8355436}" type="datetimeFigureOut">
-              <a:rPr lang="en-US" smtClean="0"/>
-              <a:t>4/28/2015</a:t>
+            <a:fld id="{A2B0D24E-6441-4C34-9150-7D417DBEA707}" type="datetimeFigureOut">
+              <a:rPr lang="en-US" smtClean="0">
+                <a:solidFill>
+                  <a:prstClr val="black">
+                    <a:tint val="75000"/>
+                  </a:prstClr>
+                </a:solidFill>
+              </a:rPr>
+              <a:pPr/>
+              <a:t>8/10/2015</a:t>
             </a:fld>
-            <a:endParaRPr lang="en-US"/>
+            <a:endParaRPr lang="en-US">
+              <a:solidFill>
+                <a:prstClr val="black">
+                  <a:tint val="75000"/>
+                </a:prstClr>
+              </a:solidFill>
+            </a:endParaRPr>
           </a:p>
         </p:txBody>
       </p:sp>
@@ -1470,7 +1624,13 @@
           <a:bodyPr/>
           <a:lstStyle/>
           <a:p>
-            <a:endParaRPr lang="en-US"/>
+            <a:endParaRPr lang="en-US">
+              <a:solidFill>
+                <a:prstClr val="black">
+                  <a:tint val="75000"/>
+                </a:prstClr>
+              </a:solidFill>
+            </a:endParaRPr>
           </a:p>
         </p:txBody>
       </p:sp>
@@ -1489,18 +1649,31 @@
           <a:bodyPr/>
           <a:lstStyle/>
           <a:p>
-            <a:fld id="{D55DDE4B-622D-42B7-8407-850B26520B38}" type="slidenum">
-              <a:rPr lang="en-US" smtClean="0"/>
+            <a:fld id="{57D0A104-0528-4A3E-8FC6-C371919B02AC}" type="slidenum">
+              <a:rPr lang="en-US" smtClean="0">
+                <a:solidFill>
+                  <a:prstClr val="black">
+                    <a:tint val="75000"/>
+                  </a:prstClr>
+                </a:solidFill>
+              </a:rPr>
+              <a:pPr/>
               <a:t>‹#›</a:t>
             </a:fld>
-            <a:endParaRPr lang="en-US"/>
+            <a:endParaRPr lang="en-US">
+              <a:solidFill>
+                <a:prstClr val="black">
+                  <a:tint val="75000"/>
+                </a:prstClr>
+              </a:solidFill>
+            </a:endParaRPr>
           </a:p>
         </p:txBody>
       </p:sp>
     </p:spTree>
     <p:extLst>
       <p:ext uri="{BB962C8B-B14F-4D97-AF65-F5344CB8AC3E}">
-        <p14:creationId xmlns:p14="http://schemas.microsoft.com/office/powerpoint/2010/main" val="2766462418"/>
+        <p14:creationId xmlns:p14="http://schemas.microsoft.com/office/powerpoint/2010/main" val="704150764"/>
       </p:ext>
     </p:extLst>
   </p:cSld>
@@ -1546,7 +1719,7 @@
               <a:rPr lang="en-US" smtClean="0"/>
               <a:t>Click to edit Master title style</a:t>
             </a:r>
-            <a:endParaRPr lang="en-US" dirty="0"/>
+            <a:endParaRPr lang="en-US"/>
           </a:p>
         </p:txBody>
       </p:sp>
@@ -1562,8 +1735,8 @@
         </p:nvSpPr>
         <p:spPr>
           <a:xfrm>
-            <a:off x="628650" y="1825625"/>
-            <a:ext cx="3886200" cy="4351338"/>
+            <a:off x="838200" y="1825625"/>
+            <a:ext cx="5181600" cy="4351338"/>
           </a:xfrm>
         </p:spPr>
         <p:txBody>
@@ -1603,7 +1776,7 @@
               <a:rPr lang="en-US" smtClean="0"/>
               <a:t>Fifth level</a:t>
             </a:r>
-            <a:endParaRPr lang="en-US" dirty="0"/>
+            <a:endParaRPr lang="en-US"/>
           </a:p>
         </p:txBody>
       </p:sp>
@@ -1619,8 +1792,8 @@
         </p:nvSpPr>
         <p:spPr>
           <a:xfrm>
-            <a:off x="4629150" y="1825625"/>
-            <a:ext cx="3886200" cy="4351338"/>
+            <a:off x="6172200" y="1825625"/>
+            <a:ext cx="5181600" cy="4351338"/>
           </a:xfrm>
         </p:spPr>
         <p:txBody>
@@ -1660,7 +1833,7 @@
               <a:rPr lang="en-US" smtClean="0"/>
               <a:t>Fifth level</a:t>
             </a:r>
-            <a:endParaRPr lang="en-US" dirty="0"/>
+            <a:endParaRPr lang="en-US"/>
           </a:p>
         </p:txBody>
       </p:sp>
@@ -1679,11 +1852,24 @@
           <a:bodyPr/>
           <a:lstStyle/>
           <a:p>
-            <a:fld id="{00AB0D8E-E724-48D0-B7E1-3298C8355436}" type="datetimeFigureOut">
-              <a:rPr lang="en-US" smtClean="0"/>
-              <a:t>4/28/2015</a:t>
+            <a:fld id="{A2B0D24E-6441-4C34-9150-7D417DBEA707}" type="datetimeFigureOut">
+              <a:rPr lang="en-US" smtClean="0">
+                <a:solidFill>
+                  <a:prstClr val="black">
+                    <a:tint val="75000"/>
+                  </a:prstClr>
+                </a:solidFill>
+              </a:rPr>
+              <a:pPr/>
+              <a:t>8/10/2015</a:t>
             </a:fld>
-            <a:endParaRPr lang="en-US"/>
+            <a:endParaRPr lang="en-US">
+              <a:solidFill>
+                <a:prstClr val="black">
+                  <a:tint val="75000"/>
+                </a:prstClr>
+              </a:solidFill>
+            </a:endParaRPr>
           </a:p>
         </p:txBody>
       </p:sp>
@@ -1702,7 +1888,13 @@
           <a:bodyPr/>
           <a:lstStyle/>
           <a:p>
-            <a:endParaRPr lang="en-US"/>
+            <a:endParaRPr lang="en-US">
+              <a:solidFill>
+                <a:prstClr val="black">
+                  <a:tint val="75000"/>
+                </a:prstClr>
+              </a:solidFill>
+            </a:endParaRPr>
           </a:p>
         </p:txBody>
       </p:sp>
@@ -1721,18 +1913,31 @@
           <a:bodyPr/>
           <a:lstStyle/>
           <a:p>
-            <a:fld id="{D55DDE4B-622D-42B7-8407-850B26520B38}" type="slidenum">
-              <a:rPr lang="en-US" smtClean="0"/>
+            <a:fld id="{57D0A104-0528-4A3E-8FC6-C371919B02AC}" type="slidenum">
+              <a:rPr lang="en-US" smtClean="0">
+                <a:solidFill>
+                  <a:prstClr val="black">
+                    <a:tint val="75000"/>
+                  </a:prstClr>
+                </a:solidFill>
+              </a:rPr>
+              <a:pPr/>
               <a:t>‹#›</a:t>
             </a:fld>
-            <a:endParaRPr lang="en-US"/>
+            <a:endParaRPr lang="en-US">
+              <a:solidFill>
+                <a:prstClr val="black">
+                  <a:tint val="75000"/>
+                </a:prstClr>
+              </a:solidFill>
+            </a:endParaRPr>
           </a:p>
         </p:txBody>
       </p:sp>
     </p:spTree>
     <p:extLst>
       <p:ext uri="{BB962C8B-B14F-4D97-AF65-F5344CB8AC3E}">
-        <p14:creationId xmlns:p14="http://schemas.microsoft.com/office/powerpoint/2010/main" val="912103035"/>
+        <p14:creationId xmlns:p14="http://schemas.microsoft.com/office/powerpoint/2010/main" val="3100446869"/>
       </p:ext>
     </p:extLst>
   </p:cSld>
@@ -1771,8 +1976,8 @@
         </p:nvSpPr>
         <p:spPr>
           <a:xfrm>
-            <a:off x="629841" y="365126"/>
-            <a:ext cx="7886700" cy="1325563"/>
+            <a:off x="839788" y="365125"/>
+            <a:ext cx="10515600" cy="1325563"/>
           </a:xfrm>
         </p:spPr>
         <p:txBody>
@@ -1783,7 +1988,7 @@
               <a:rPr lang="en-US" smtClean="0"/>
               <a:t>Click to edit Master title style</a:t>
             </a:r>
-            <a:endParaRPr lang="en-US" dirty="0"/>
+            <a:endParaRPr lang="en-US"/>
           </a:p>
         </p:txBody>
       </p:sp>
@@ -1799,8 +2004,8 @@
         </p:nvSpPr>
         <p:spPr>
           <a:xfrm>
-            <a:off x="629842" y="1681163"/>
-            <a:ext cx="3868340" cy="823912"/>
+            <a:off x="839788" y="1681163"/>
+            <a:ext cx="5157787" cy="823912"/>
           </a:xfrm>
         </p:spPr>
         <p:txBody>
@@ -1864,8 +2069,8 @@
         </p:nvSpPr>
         <p:spPr>
           <a:xfrm>
-            <a:off x="629842" y="2505075"/>
-            <a:ext cx="3868340" cy="3684588"/>
+            <a:off x="839788" y="2505075"/>
+            <a:ext cx="5157787" cy="3684588"/>
           </a:xfrm>
         </p:spPr>
         <p:txBody>
@@ -1905,7 +2110,7 @@
               <a:rPr lang="en-US" smtClean="0"/>
               <a:t>Fifth level</a:t>
             </a:r>
-            <a:endParaRPr lang="en-US" dirty="0"/>
+            <a:endParaRPr lang="en-US"/>
           </a:p>
         </p:txBody>
       </p:sp>
@@ -1921,8 +2126,8 @@
         </p:nvSpPr>
         <p:spPr>
           <a:xfrm>
-            <a:off x="4629150" y="1681163"/>
-            <a:ext cx="3887391" cy="823912"/>
+            <a:off x="6172200" y="1681163"/>
+            <a:ext cx="5183188" cy="823912"/>
           </a:xfrm>
         </p:spPr>
         <p:txBody>
@@ -1986,8 +2191,8 @@
         </p:nvSpPr>
         <p:spPr>
           <a:xfrm>
-            <a:off x="4629150" y="2505075"/>
-            <a:ext cx="3887391" cy="3684588"/>
+            <a:off x="6172200" y="2505075"/>
+            <a:ext cx="5183188" cy="3684588"/>
           </a:xfrm>
         </p:spPr>
         <p:txBody>
@@ -2027,7 +2232,7 @@
               <a:rPr lang="en-US" smtClean="0"/>
               <a:t>Fifth level</a:t>
             </a:r>
-            <a:endParaRPr lang="en-US" dirty="0"/>
+            <a:endParaRPr lang="en-US"/>
           </a:p>
         </p:txBody>
       </p:sp>
@@ -2046,11 +2251,24 @@
           <a:bodyPr/>
           <a:lstStyle/>
           <a:p>
-            <a:fld id="{00AB0D8E-E724-48D0-B7E1-3298C8355436}" type="datetimeFigureOut">
-              <a:rPr lang="en-US" smtClean="0"/>
-              <a:t>4/28/2015</a:t>
+            <a:fld id="{A2B0D24E-6441-4C34-9150-7D417DBEA707}" type="datetimeFigureOut">
+              <a:rPr lang="en-US" smtClean="0">
+                <a:solidFill>
+                  <a:prstClr val="black">
+                    <a:tint val="75000"/>
+                  </a:prstClr>
+                </a:solidFill>
+              </a:rPr>
+              <a:pPr/>
+              <a:t>8/10/2015</a:t>
             </a:fld>
-            <a:endParaRPr lang="en-US"/>
+            <a:endParaRPr lang="en-US">
+              <a:solidFill>
+                <a:prstClr val="black">
+                  <a:tint val="75000"/>
+                </a:prstClr>
+              </a:solidFill>
+            </a:endParaRPr>
           </a:p>
         </p:txBody>
       </p:sp>
@@ -2069,7 +2287,13 @@
           <a:bodyPr/>
           <a:lstStyle/>
           <a:p>
-            <a:endParaRPr lang="en-US"/>
+            <a:endParaRPr lang="en-US">
+              <a:solidFill>
+                <a:prstClr val="black">
+                  <a:tint val="75000"/>
+                </a:prstClr>
+              </a:solidFill>
+            </a:endParaRPr>
           </a:p>
         </p:txBody>
       </p:sp>
@@ -2088,18 +2312,31 @@
           <a:bodyPr/>
           <a:lstStyle/>
           <a:p>
-            <a:fld id="{D55DDE4B-622D-42B7-8407-850B26520B38}" type="slidenum">
-              <a:rPr lang="en-US" smtClean="0"/>
+            <a:fld id="{57D0A104-0528-4A3E-8FC6-C371919B02AC}" type="slidenum">
+              <a:rPr lang="en-US" smtClean="0">
+                <a:solidFill>
+                  <a:prstClr val="black">
+                    <a:tint val="75000"/>
+                  </a:prstClr>
+                </a:solidFill>
+              </a:rPr>
+              <a:pPr/>
               <a:t>‹#›</a:t>
             </a:fld>
-            <a:endParaRPr lang="en-US"/>
+            <a:endParaRPr lang="en-US">
+              <a:solidFill>
+                <a:prstClr val="black">
+                  <a:tint val="75000"/>
+                </a:prstClr>
+              </a:solidFill>
+            </a:endParaRPr>
           </a:p>
         </p:txBody>
       </p:sp>
     </p:spTree>
     <p:extLst>
       <p:ext uri="{BB962C8B-B14F-4D97-AF65-F5344CB8AC3E}">
-        <p14:creationId xmlns:p14="http://schemas.microsoft.com/office/powerpoint/2010/main" val="500438678"/>
+        <p14:creationId xmlns:p14="http://schemas.microsoft.com/office/powerpoint/2010/main" val="501465970"/>
       </p:ext>
     </p:extLst>
   </p:cSld>
@@ -2145,7 +2382,7 @@
               <a:rPr lang="en-US" smtClean="0"/>
               <a:t>Click to edit Master title style</a:t>
             </a:r>
-            <a:endParaRPr lang="en-US" dirty="0"/>
+            <a:endParaRPr lang="en-US"/>
           </a:p>
         </p:txBody>
       </p:sp>
@@ -2164,11 +2401,24 @@
           <a:bodyPr/>
           <a:lstStyle/>
           <a:p>
-            <a:fld id="{00AB0D8E-E724-48D0-B7E1-3298C8355436}" type="datetimeFigureOut">
-              <a:rPr lang="en-US" smtClean="0"/>
-              <a:t>4/28/2015</a:t>
+            <a:fld id="{A2B0D24E-6441-4C34-9150-7D417DBEA707}" type="datetimeFigureOut">
+              <a:rPr lang="en-US" smtClean="0">
+                <a:solidFill>
+                  <a:prstClr val="black">
+                    <a:tint val="75000"/>
+                  </a:prstClr>
+                </a:solidFill>
+              </a:rPr>
+              <a:pPr/>
+              <a:t>8/10/2015</a:t>
             </a:fld>
-            <a:endParaRPr lang="en-US"/>
+            <a:endParaRPr lang="en-US">
+              <a:solidFill>
+                <a:prstClr val="black">
+                  <a:tint val="75000"/>
+                </a:prstClr>
+              </a:solidFill>
+            </a:endParaRPr>
           </a:p>
         </p:txBody>
       </p:sp>
@@ -2187,7 +2437,13 @@
           <a:bodyPr/>
           <a:lstStyle/>
           <a:p>
-            <a:endParaRPr lang="en-US"/>
+            <a:endParaRPr lang="en-US">
+              <a:solidFill>
+                <a:prstClr val="black">
+                  <a:tint val="75000"/>
+                </a:prstClr>
+              </a:solidFill>
+            </a:endParaRPr>
           </a:p>
         </p:txBody>
       </p:sp>
@@ -2206,18 +2462,31 @@
           <a:bodyPr/>
           <a:lstStyle/>
           <a:p>
-            <a:fld id="{D55DDE4B-622D-42B7-8407-850B26520B38}" type="slidenum">
-              <a:rPr lang="en-US" smtClean="0"/>
+            <a:fld id="{57D0A104-0528-4A3E-8FC6-C371919B02AC}" type="slidenum">
+              <a:rPr lang="en-US" smtClean="0">
+                <a:solidFill>
+                  <a:prstClr val="black">
+                    <a:tint val="75000"/>
+                  </a:prstClr>
+                </a:solidFill>
+              </a:rPr>
+              <a:pPr/>
               <a:t>‹#›</a:t>
             </a:fld>
-            <a:endParaRPr lang="en-US"/>
+            <a:endParaRPr lang="en-US">
+              <a:solidFill>
+                <a:prstClr val="black">
+                  <a:tint val="75000"/>
+                </a:prstClr>
+              </a:solidFill>
+            </a:endParaRPr>
           </a:p>
         </p:txBody>
       </p:sp>
     </p:spTree>
     <p:extLst>
       <p:ext uri="{BB962C8B-B14F-4D97-AF65-F5344CB8AC3E}">
-        <p14:creationId xmlns:p14="http://schemas.microsoft.com/office/powerpoint/2010/main" val="3390511608"/>
+        <p14:creationId xmlns:p14="http://schemas.microsoft.com/office/powerpoint/2010/main" val="1970562733"/>
       </p:ext>
     </p:extLst>
   </p:cSld>
@@ -2259,11 +2528,24 @@
           <a:bodyPr/>
           <a:lstStyle/>
           <a:p>
-            <a:fld id="{00AB0D8E-E724-48D0-B7E1-3298C8355436}" type="datetimeFigureOut">
-              <a:rPr lang="en-US" smtClean="0"/>
-              <a:t>4/28/2015</a:t>
+            <a:fld id="{A2B0D24E-6441-4C34-9150-7D417DBEA707}" type="datetimeFigureOut">
+              <a:rPr lang="en-US" smtClean="0">
+                <a:solidFill>
+                  <a:prstClr val="black">
+                    <a:tint val="75000"/>
+                  </a:prstClr>
+                </a:solidFill>
+              </a:rPr>
+              <a:pPr/>
+              <a:t>8/10/2015</a:t>
             </a:fld>
-            <a:endParaRPr lang="en-US"/>
+            <a:endParaRPr lang="en-US">
+              <a:solidFill>
+                <a:prstClr val="black">
+                  <a:tint val="75000"/>
+                </a:prstClr>
+              </a:solidFill>
+            </a:endParaRPr>
           </a:p>
         </p:txBody>
       </p:sp>
@@ -2282,7 +2564,13 @@
           <a:bodyPr/>
           <a:lstStyle/>
           <a:p>
-            <a:endParaRPr lang="en-US"/>
+            <a:endParaRPr lang="en-US">
+              <a:solidFill>
+                <a:prstClr val="black">
+                  <a:tint val="75000"/>
+                </a:prstClr>
+              </a:solidFill>
+            </a:endParaRPr>
           </a:p>
         </p:txBody>
       </p:sp>
@@ -2301,18 +2589,31 @@
           <a:bodyPr/>
           <a:lstStyle/>
           <a:p>
-            <a:fld id="{D55DDE4B-622D-42B7-8407-850B26520B38}" type="slidenum">
-              <a:rPr lang="en-US" smtClean="0"/>
+            <a:fld id="{57D0A104-0528-4A3E-8FC6-C371919B02AC}" type="slidenum">
+              <a:rPr lang="en-US" smtClean="0">
+                <a:solidFill>
+                  <a:prstClr val="black">
+                    <a:tint val="75000"/>
+                  </a:prstClr>
+                </a:solidFill>
+              </a:rPr>
+              <a:pPr/>
               <a:t>‹#›</a:t>
             </a:fld>
-            <a:endParaRPr lang="en-US"/>
+            <a:endParaRPr lang="en-US">
+              <a:solidFill>
+                <a:prstClr val="black">
+                  <a:tint val="75000"/>
+                </a:prstClr>
+              </a:solidFill>
+            </a:endParaRPr>
           </a:p>
         </p:txBody>
       </p:sp>
     </p:spTree>
     <p:extLst>
       <p:ext uri="{BB962C8B-B14F-4D97-AF65-F5344CB8AC3E}">
-        <p14:creationId xmlns:p14="http://schemas.microsoft.com/office/powerpoint/2010/main" val="1920359190"/>
+        <p14:creationId xmlns:p14="http://schemas.microsoft.com/office/powerpoint/2010/main" val="3590060076"/>
       </p:ext>
     </p:extLst>
   </p:cSld>
@@ -2351,8 +2652,8 @@
         </p:nvSpPr>
         <p:spPr>
           <a:xfrm>
-            <a:off x="629841" y="457200"/>
-            <a:ext cx="2949178" cy="1600200"/>
+            <a:off x="839788" y="457200"/>
+            <a:ext cx="3932237" cy="1600200"/>
           </a:xfrm>
         </p:spPr>
         <p:txBody>
@@ -2367,7 +2668,7 @@
               <a:rPr lang="en-US" smtClean="0"/>
               <a:t>Click to edit Master title style</a:t>
             </a:r>
-            <a:endParaRPr lang="en-US" dirty="0"/>
+            <a:endParaRPr lang="en-US"/>
           </a:p>
         </p:txBody>
       </p:sp>
@@ -2383,8 +2684,8 @@
         </p:nvSpPr>
         <p:spPr>
           <a:xfrm>
-            <a:off x="3887391" y="987426"/>
-            <a:ext cx="4629150" cy="4873625"/>
+            <a:off x="5183188" y="987425"/>
+            <a:ext cx="6172200" cy="4873625"/>
           </a:xfrm>
         </p:spPr>
         <p:txBody>
@@ -2452,7 +2753,7 @@
               <a:rPr lang="en-US" smtClean="0"/>
               <a:t>Fifth level</a:t>
             </a:r>
-            <a:endParaRPr lang="en-US" dirty="0"/>
+            <a:endParaRPr lang="en-US"/>
           </a:p>
         </p:txBody>
       </p:sp>
@@ -2468,8 +2769,8 @@
         </p:nvSpPr>
         <p:spPr>
           <a:xfrm>
-            <a:off x="629841" y="2057400"/>
-            <a:ext cx="2949178" cy="3811588"/>
+            <a:off x="839788" y="2057400"/>
+            <a:ext cx="3932237" cy="3811588"/>
           </a:xfrm>
         </p:spPr>
         <p:txBody>
@@ -2536,11 +2837,24 @@
           <a:bodyPr/>
           <a:lstStyle/>
           <a:p>
-            <a:fld id="{00AB0D8E-E724-48D0-B7E1-3298C8355436}" type="datetimeFigureOut">
-              <a:rPr lang="en-US" smtClean="0"/>
-              <a:t>4/28/2015</a:t>
+            <a:fld id="{A2B0D24E-6441-4C34-9150-7D417DBEA707}" type="datetimeFigureOut">
+              <a:rPr lang="en-US" smtClean="0">
+                <a:solidFill>
+                  <a:prstClr val="black">
+                    <a:tint val="75000"/>
+                  </a:prstClr>
+                </a:solidFill>
+              </a:rPr>
+              <a:pPr/>
+              <a:t>8/10/2015</a:t>
             </a:fld>
-            <a:endParaRPr lang="en-US"/>
+            <a:endParaRPr lang="en-US">
+              <a:solidFill>
+                <a:prstClr val="black">
+                  <a:tint val="75000"/>
+                </a:prstClr>
+              </a:solidFill>
+            </a:endParaRPr>
           </a:p>
         </p:txBody>
       </p:sp>
@@ -2559,7 +2873,13 @@
           <a:bodyPr/>
           <a:lstStyle/>
           <a:p>
-            <a:endParaRPr lang="en-US"/>
+            <a:endParaRPr lang="en-US">
+              <a:solidFill>
+                <a:prstClr val="black">
+                  <a:tint val="75000"/>
+                </a:prstClr>
+              </a:solidFill>
+            </a:endParaRPr>
           </a:p>
         </p:txBody>
       </p:sp>
@@ -2578,18 +2898,31 @@
           <a:bodyPr/>
           <a:lstStyle/>
           <a:p>
-            <a:fld id="{D55DDE4B-622D-42B7-8407-850B26520B38}" type="slidenum">
-              <a:rPr lang="en-US" smtClean="0"/>
+            <a:fld id="{57D0A104-0528-4A3E-8FC6-C371919B02AC}" type="slidenum">
+              <a:rPr lang="en-US" smtClean="0">
+                <a:solidFill>
+                  <a:prstClr val="black">
+                    <a:tint val="75000"/>
+                  </a:prstClr>
+                </a:solidFill>
+              </a:rPr>
+              <a:pPr/>
               <a:t>‹#›</a:t>
             </a:fld>
-            <a:endParaRPr lang="en-US"/>
+            <a:endParaRPr lang="en-US">
+              <a:solidFill>
+                <a:prstClr val="black">
+                  <a:tint val="75000"/>
+                </a:prstClr>
+              </a:solidFill>
+            </a:endParaRPr>
           </a:p>
         </p:txBody>
       </p:sp>
     </p:spTree>
     <p:extLst>
       <p:ext uri="{BB962C8B-B14F-4D97-AF65-F5344CB8AC3E}">
-        <p14:creationId xmlns:p14="http://schemas.microsoft.com/office/powerpoint/2010/main" val="3220667009"/>
+        <p14:creationId xmlns:p14="http://schemas.microsoft.com/office/powerpoint/2010/main" val="512113624"/>
       </p:ext>
     </p:extLst>
   </p:cSld>
@@ -2628,8 +2961,8 @@
         </p:nvSpPr>
         <p:spPr>
           <a:xfrm>
-            <a:off x="629841" y="457200"/>
-            <a:ext cx="2949178" cy="1600200"/>
+            <a:off x="839788" y="457200"/>
+            <a:ext cx="3932237" cy="1600200"/>
           </a:xfrm>
         </p:spPr>
         <p:txBody>
@@ -2644,7 +2977,7 @@
               <a:rPr lang="en-US" smtClean="0"/>
               <a:t>Click to edit Master title style</a:t>
             </a:r>
-            <a:endParaRPr lang="en-US" dirty="0"/>
+            <a:endParaRPr lang="en-US"/>
           </a:p>
         </p:txBody>
       </p:sp>
@@ -2652,7 +2985,7 @@
         <p:nvSpPr>
           <p:cNvPr id="3" name="Picture Placeholder 2"/>
           <p:cNvSpPr>
-            <a:spLocks noGrp="1" noChangeAspect="1"/>
+            <a:spLocks noGrp="1"/>
           </p:cNvSpPr>
           <p:nvPr>
             <p:ph type="pic" idx="1"/>
@@ -2660,12 +2993,12 @@
         </p:nvSpPr>
         <p:spPr>
           <a:xfrm>
-            <a:off x="3887391" y="987426"/>
-            <a:ext cx="4629150" cy="4873625"/>
+            <a:off x="5183188" y="987425"/>
+            <a:ext cx="6172200" cy="4873625"/>
           </a:xfrm>
         </p:spPr>
         <p:txBody>
-          <a:bodyPr anchor="t"/>
+          <a:bodyPr/>
           <a:lstStyle>
             <a:lvl1pPr marL="0" indent="0">
               <a:buNone/>
@@ -2705,11 +3038,7 @@
             </a:lvl9pPr>
           </a:lstStyle>
           <a:p>
-            <a:r>
-              <a:rPr lang="en-US" smtClean="0"/>
-              <a:t>Click icon to add picture</a:t>
-            </a:r>
-            <a:endParaRPr lang="en-US" dirty="0"/>
+            <a:endParaRPr lang="en-US"/>
           </a:p>
         </p:txBody>
       </p:sp>
@@ -2725,8 +3054,8 @@
         </p:nvSpPr>
         <p:spPr>
           <a:xfrm>
-            <a:off x="629841" y="2057400"/>
-            <a:ext cx="2949178" cy="3811588"/>
+            <a:off x="839788" y="2057400"/>
+            <a:ext cx="3932237" cy="3811588"/>
           </a:xfrm>
         </p:spPr>
         <p:txBody>
@@ -2793,11 +3122,24 @@
           <a:bodyPr/>
           <a:lstStyle/>
           <a:p>
-            <a:fld id="{00AB0D8E-E724-48D0-B7E1-3298C8355436}" type="datetimeFigureOut">
-              <a:rPr lang="en-US" smtClean="0"/>
-              <a:t>4/28/2015</a:t>
+            <a:fld id="{A2B0D24E-6441-4C34-9150-7D417DBEA707}" type="datetimeFigureOut">
+              <a:rPr lang="en-US" smtClean="0">
+                <a:solidFill>
+                  <a:prstClr val="black">
+                    <a:tint val="75000"/>
+                  </a:prstClr>
+                </a:solidFill>
+              </a:rPr>
+              <a:pPr/>
+              <a:t>8/10/2015</a:t>
             </a:fld>
-            <a:endParaRPr lang="en-US"/>
+            <a:endParaRPr lang="en-US">
+              <a:solidFill>
+                <a:prstClr val="black">
+                  <a:tint val="75000"/>
+                </a:prstClr>
+              </a:solidFill>
+            </a:endParaRPr>
           </a:p>
         </p:txBody>
       </p:sp>
@@ -2816,7 +3158,13 @@
           <a:bodyPr/>
           <a:lstStyle/>
           <a:p>
-            <a:endParaRPr lang="en-US"/>
+            <a:endParaRPr lang="en-US">
+              <a:solidFill>
+                <a:prstClr val="black">
+                  <a:tint val="75000"/>
+                </a:prstClr>
+              </a:solidFill>
+            </a:endParaRPr>
           </a:p>
         </p:txBody>
       </p:sp>
@@ -2835,18 +3183,31 @@
           <a:bodyPr/>
           <a:lstStyle/>
           <a:p>
-            <a:fld id="{D55DDE4B-622D-42B7-8407-850B26520B38}" type="slidenum">
-              <a:rPr lang="en-US" smtClean="0"/>
+            <a:fld id="{57D0A104-0528-4A3E-8FC6-C371919B02AC}" type="slidenum">
+              <a:rPr lang="en-US" smtClean="0">
+                <a:solidFill>
+                  <a:prstClr val="black">
+                    <a:tint val="75000"/>
+                  </a:prstClr>
+                </a:solidFill>
+              </a:rPr>
+              <a:pPr/>
               <a:t>‹#›</a:t>
             </a:fld>
-            <a:endParaRPr lang="en-US"/>
+            <a:endParaRPr lang="en-US">
+              <a:solidFill>
+                <a:prstClr val="black">
+                  <a:tint val="75000"/>
+                </a:prstClr>
+              </a:solidFill>
+            </a:endParaRPr>
           </a:p>
         </p:txBody>
       </p:sp>
     </p:spTree>
     <p:extLst>
       <p:ext uri="{BB962C8B-B14F-4D97-AF65-F5344CB8AC3E}">
-        <p14:creationId xmlns:p14="http://schemas.microsoft.com/office/powerpoint/2010/main" val="628010808"/>
+        <p14:creationId xmlns:p14="http://schemas.microsoft.com/office/powerpoint/2010/main" val="1513496567"/>
       </p:ext>
     </p:extLst>
   </p:cSld>
@@ -2890,8 +3251,8 @@
         </p:nvSpPr>
         <p:spPr>
           <a:xfrm>
-            <a:off x="628650" y="365126"/>
-            <a:ext cx="7886700" cy="1325563"/>
+            <a:off x="838200" y="365125"/>
+            <a:ext cx="10515600" cy="1325563"/>
           </a:xfrm>
           <a:prstGeom prst="rect">
             <a:avLst/>
@@ -2907,7 +3268,7 @@
               <a:rPr lang="en-US" smtClean="0"/>
               <a:t>Click to edit Master title style</a:t>
             </a:r>
-            <a:endParaRPr lang="en-US" dirty="0"/>
+            <a:endParaRPr lang="en-US"/>
           </a:p>
         </p:txBody>
       </p:sp>
@@ -2923,8 +3284,8 @@
         </p:nvSpPr>
         <p:spPr>
           <a:xfrm>
-            <a:off x="628650" y="1825625"/>
-            <a:ext cx="7886700" cy="4351338"/>
+            <a:off x="838200" y="1825625"/>
+            <a:ext cx="10515600" cy="4351338"/>
           </a:xfrm>
           <a:prstGeom prst="rect">
             <a:avLst/>
@@ -2969,7 +3330,7 @@
               <a:rPr lang="en-US" smtClean="0"/>
               <a:t>Fifth level</a:t>
             </a:r>
-            <a:endParaRPr lang="en-US" dirty="0"/>
+            <a:endParaRPr lang="en-US"/>
           </a:p>
         </p:txBody>
       </p:sp>
@@ -2985,8 +3346,8 @@
         </p:nvSpPr>
         <p:spPr>
           <a:xfrm>
-            <a:off x="628650" y="6356351"/>
-            <a:ext cx="2057400" cy="365125"/>
+            <a:off x="838200" y="6356350"/>
+            <a:ext cx="2743200" cy="365125"/>
           </a:xfrm>
           <a:prstGeom prst="rect">
             <a:avLst/>
@@ -3006,11 +3367,24 @@
             </a:lvl1pPr>
           </a:lstStyle>
           <a:p>
-            <a:fld id="{00AB0D8E-E724-48D0-B7E1-3298C8355436}" type="datetimeFigureOut">
-              <a:rPr lang="en-US" smtClean="0"/>
-              <a:t>4/28/2015</a:t>
+            <a:fld id="{A2B0D24E-6441-4C34-9150-7D417DBEA707}" type="datetimeFigureOut">
+              <a:rPr lang="en-US" smtClean="0">
+                <a:solidFill>
+                  <a:prstClr val="black">
+                    <a:tint val="75000"/>
+                  </a:prstClr>
+                </a:solidFill>
+              </a:rPr>
+              <a:pPr/>
+              <a:t>8/10/2015</a:t>
             </a:fld>
-            <a:endParaRPr lang="en-US"/>
+            <a:endParaRPr lang="en-US">
+              <a:solidFill>
+                <a:prstClr val="black">
+                  <a:tint val="75000"/>
+                </a:prstClr>
+              </a:solidFill>
+            </a:endParaRPr>
           </a:p>
         </p:txBody>
       </p:sp>
@@ -3026,8 +3400,8 @@
         </p:nvSpPr>
         <p:spPr>
           <a:xfrm>
-            <a:off x="3028950" y="6356351"/>
-            <a:ext cx="3086100" cy="365125"/>
+            <a:off x="4038600" y="6356350"/>
+            <a:ext cx="4114800" cy="365125"/>
           </a:xfrm>
           <a:prstGeom prst="rect">
             <a:avLst/>
@@ -3047,7 +3421,13 @@
             </a:lvl1pPr>
           </a:lstStyle>
           <a:p>
-            <a:endParaRPr lang="en-US"/>
+            <a:endParaRPr lang="en-US">
+              <a:solidFill>
+                <a:prstClr val="black">
+                  <a:tint val="75000"/>
+                </a:prstClr>
+              </a:solidFill>
+            </a:endParaRPr>
           </a:p>
         </p:txBody>
       </p:sp>
@@ -3063,8 +3443,8 @@
         </p:nvSpPr>
         <p:spPr>
           <a:xfrm>
-            <a:off x="6457950" y="6356351"/>
-            <a:ext cx="2057400" cy="365125"/>
+            <a:off x="8610600" y="6356350"/>
+            <a:ext cx="2743200" cy="365125"/>
           </a:xfrm>
           <a:prstGeom prst="rect">
             <a:avLst/>
@@ -3084,34 +3464,47 @@
             </a:lvl1pPr>
           </a:lstStyle>
           <a:p>
-            <a:fld id="{D55DDE4B-622D-42B7-8407-850B26520B38}" type="slidenum">
-              <a:rPr lang="en-US" smtClean="0"/>
+            <a:fld id="{57D0A104-0528-4A3E-8FC6-C371919B02AC}" type="slidenum">
+              <a:rPr lang="en-US" smtClean="0">
+                <a:solidFill>
+                  <a:prstClr val="black">
+                    <a:tint val="75000"/>
+                  </a:prstClr>
+                </a:solidFill>
+              </a:rPr>
+              <a:pPr/>
               <a:t>‹#›</a:t>
             </a:fld>
-            <a:endParaRPr lang="en-US"/>
+            <a:endParaRPr lang="en-US">
+              <a:solidFill>
+                <a:prstClr val="black">
+                  <a:tint val="75000"/>
+                </a:prstClr>
+              </a:solidFill>
+            </a:endParaRPr>
           </a:p>
         </p:txBody>
       </p:sp>
     </p:spTree>
     <p:extLst>
       <p:ext uri="{BB962C8B-B14F-4D97-AF65-F5344CB8AC3E}">
-        <p14:creationId xmlns:p14="http://schemas.microsoft.com/office/powerpoint/2010/main" val="749051933"/>
+        <p14:creationId xmlns:p14="http://schemas.microsoft.com/office/powerpoint/2010/main" val="2413355619"/>
       </p:ext>
     </p:extLst>
   </p:cSld>
   <p:clrMap bg1="lt1" tx1="dk1" bg2="lt2" tx2="dk2" accent1="accent1" accent2="accent2" accent3="accent3" accent4="accent4" accent5="accent5" accent6="accent6" hlink="hlink" folHlink="folHlink"/>
   <p:sldLayoutIdLst>
-    <p:sldLayoutId id="2147483661" r:id="rId1"/>
-    <p:sldLayoutId id="2147483662" r:id="rId2"/>
-    <p:sldLayoutId id="2147483663" r:id="rId3"/>
-    <p:sldLayoutId id="2147483664" r:id="rId4"/>
-    <p:sldLayoutId id="2147483665" r:id="rId5"/>
-    <p:sldLayoutId id="2147483666" r:id="rId6"/>
-    <p:sldLayoutId id="2147483667" r:id="rId7"/>
-    <p:sldLayoutId id="2147483668" r:id="rId8"/>
-    <p:sldLayoutId id="2147483669" r:id="rId9"/>
-    <p:sldLayoutId id="2147483670" r:id="rId10"/>
-    <p:sldLayoutId id="2147483671" r:id="rId11"/>
+    <p:sldLayoutId id="2147483685" r:id="rId1"/>
+    <p:sldLayoutId id="2147483686" r:id="rId2"/>
+    <p:sldLayoutId id="2147483687" r:id="rId3"/>
+    <p:sldLayoutId id="2147483688" r:id="rId4"/>
+    <p:sldLayoutId id="2147483689" r:id="rId5"/>
+    <p:sldLayoutId id="2147483690" r:id="rId6"/>
+    <p:sldLayoutId id="2147483691" r:id="rId7"/>
+    <p:sldLayoutId id="2147483692" r:id="rId8"/>
+    <p:sldLayoutId id="2147483693" r:id="rId9"/>
+    <p:sldLayoutId id="2147483694" r:id="rId10"/>
+    <p:sldLayoutId id="2147483695" r:id="rId11"/>
   </p:sldLayoutIdLst>
   <p:txStyles>
     <p:titleStyle>
@@ -3428,12 +3821,12 @@
         </p:nvSpPr>
         <p:spPr>
           <a:xfrm>
-            <a:off x="235391" y="70969"/>
+            <a:off x="1759392" y="247431"/>
             <a:ext cx="8691327" cy="2387600"/>
           </a:xfrm>
         </p:spPr>
         <p:txBody>
-          <a:bodyPr anchor="t">
+          <a:bodyPr anchor="ctr">
             <a:noAutofit/>
           </a:bodyPr>
           <a:lstStyle/>
@@ -3461,7 +3854,7 @@
         </p:nvSpPr>
         <p:spPr>
           <a:xfrm>
-            <a:off x="1152052" y="2693396"/>
+            <a:off x="2676052" y="2693397"/>
             <a:ext cx="6858000" cy="1655763"/>
           </a:xfrm>
         </p:spPr>
@@ -3473,13 +3866,8 @@
           <a:p>
             <a:r>
               <a:rPr lang="en-US" dirty="0" smtClean="0"/>
-              <a:t>Jimmy </a:t>
-            </a:r>
-            <a:r>
-              <a:rPr lang="en-US" dirty="0" err="1" smtClean="0"/>
-              <a:t>Bogard</a:t>
-            </a:r>
-            <a:endParaRPr lang="en-US" dirty="0" smtClean="0"/>
+              <a:t>Jimmy Bogard</a:t>
+            </a:r>
           </a:p>
           <a:p>
             <a:r>
@@ -3501,23 +3889,19 @@
               <a:rPr lang="en-US" dirty="0" err="1" smtClean="0"/>
               <a:t>jbogard</a:t>
             </a:r>
-            <a:endParaRPr lang="en-US" dirty="0"/>
-          </a:p>
-          <a:p>
-            <a:r>
-              <a:rPr lang="en-US" dirty="0"/>
-              <a:t>j</a:t>
-            </a:r>
+            <a:endParaRPr lang="en-US" dirty="0" smtClean="0"/>
+          </a:p>
+          <a:p>
             <a:r>
               <a:rPr lang="en-US" dirty="0" smtClean="0"/>
-              <a:t>immybogard.lostechies.com</a:t>
+              <a:t>jimmybogard.lostechies.com</a:t>
             </a:r>
           </a:p>
         </p:txBody>
       </p:sp>
       <p:pic>
         <p:nvPicPr>
-          <p:cNvPr id="8" name="Picture 2" descr="http://www.manning.com/palermo3/palermo3_cover150.jpg"/>
+          <p:cNvPr id="9" name="Picture 4" descr="https://mvp.support.microsoft.com/library/images/support/en-US/MVPLogo.gif"/>
           <p:cNvPicPr>
             <a:picLocks noChangeAspect="1" noChangeArrowheads="1"/>
           </p:cNvPicPr>
@@ -3538,48 +3922,7 @@
         </p:blipFill>
         <p:spPr bwMode="auto">
           <a:xfrm>
-            <a:off x="381002" y="4521449"/>
-            <a:ext cx="1428751" cy="1790701"/>
-          </a:xfrm>
-          <a:prstGeom prst="rect">
-            <a:avLst/>
-          </a:prstGeom>
-          <a:noFill/>
-          <a:extLst>
-            <a:ext uri="{909E8E84-426E-40DD-AFC4-6F175D3DCCD1}">
-              <a14:hiddenFill xmlns:a14="http://schemas.microsoft.com/office/drawing/2010/main">
-                <a:solidFill>
-                  <a:srgbClr val="FFFFFF"/>
-                </a:solidFill>
-              </a14:hiddenFill>
-            </a:ext>
-          </a:extLst>
-        </p:spPr>
-      </p:pic>
-      <p:pic>
-        <p:nvPicPr>
-          <p:cNvPr id="9" name="Picture 4" descr="https://mvp.support.microsoft.com/library/images/support/en-US/MVPLogo.gif"/>
-          <p:cNvPicPr>
-            <a:picLocks noChangeAspect="1" noChangeArrowheads="1"/>
-          </p:cNvPicPr>
-          <p:nvPr/>
-        </p:nvPicPr>
-        <p:blipFill>
-          <a:blip r:embed="rId7">
-            <a:extLst>
-              <a:ext uri="{28A0092B-C50C-407E-A947-70E740481C1C}">
-                <a14:useLocalDpi xmlns:a14="http://schemas.microsoft.com/office/drawing/2010/main" val="0"/>
-              </a:ext>
-            </a:extLst>
-          </a:blip>
-          <a:srcRect/>
-          <a:stretch>
-            <a:fillRect/>
-          </a:stretch>
-        </p:blipFill>
-        <p:spPr bwMode="auto">
-          <a:xfrm>
-            <a:off x="7315203" y="4559547"/>
+            <a:off x="10143348" y="4465114"/>
             <a:ext cx="1095375" cy="1714500"/>
           </a:xfrm>
           <a:prstGeom prst="rect">
@@ -3606,7 +3949,7 @@
           <p:nvPr/>
         </p:nvPicPr>
         <p:blipFill>
-          <a:blip r:embed="rId8">
+          <a:blip r:embed="rId7">
             <a:extLst>
               <a:ext uri="{28A0092B-C50C-407E-A947-70E740481C1C}">
                 <a14:useLocalDpi xmlns:a14="http://schemas.microsoft.com/office/drawing/2010/main" val="0"/>
@@ -3620,7 +3963,7 @@
         </p:blipFill>
         <p:spPr bwMode="auto">
           <a:xfrm>
-            <a:off x="1389648" y="4724403"/>
+            <a:off x="3081282" y="4558964"/>
             <a:ext cx="6047539" cy="733425"/>
           </a:xfrm>
           <a:prstGeom prst="rect">
@@ -3647,6 +3990,47 @@
           <p:nvPr/>
         </p:nvPicPr>
         <p:blipFill>
+          <a:blip r:embed="rId8">
+            <a:extLst>
+              <a:ext uri="{28A0092B-C50C-407E-A947-70E740481C1C}">
+                <a14:useLocalDpi xmlns:a14="http://schemas.microsoft.com/office/drawing/2010/main" val="0"/>
+              </a:ext>
+            </a:extLst>
+          </a:blip>
+          <a:srcRect/>
+          <a:stretch>
+            <a:fillRect/>
+          </a:stretch>
+        </p:blipFill>
+        <p:spPr bwMode="auto">
+          <a:xfrm>
+            <a:off x="5800252" y="5703340"/>
+            <a:ext cx="3733800" cy="382377"/>
+          </a:xfrm>
+          <a:prstGeom prst="rect">
+            <a:avLst/>
+          </a:prstGeom>
+          <a:noFill/>
+          <a:extLst>
+            <a:ext uri="{909E8E84-426E-40DD-AFC4-6F175D3DCCD1}">
+              <a14:hiddenFill xmlns:a14="http://schemas.microsoft.com/office/drawing/2010/main">
+                <a:solidFill>
+                  <a:srgbClr val="FFFFFF"/>
+                </a:solidFill>
+              </a14:hiddenFill>
+            </a:ext>
+          </a:extLst>
+        </p:spPr>
+      </p:pic>
+      <p:pic>
+        <p:nvPicPr>
+          <p:cNvPr id="3074" name="Picture 2" descr="http://storage.pardot.com/52582/22896/headspring_weblogo.png"/>
+          <p:cNvPicPr>
+            <a:picLocks noChangeAspect="1" noChangeArrowheads="1"/>
+          </p:cNvPicPr>
+          <p:nvPr/>
+        </p:nvPicPr>
+        <p:blipFill>
           <a:blip r:embed="rId9">
             <a:extLst>
               <a:ext uri="{28A0092B-C50C-407E-A947-70E740481C1C}">
@@ -3661,8 +4045,8 @@
         </p:blipFill>
         <p:spPr bwMode="auto">
           <a:xfrm>
-            <a:off x="2476500" y="5871329"/>
-            <a:ext cx="3733800" cy="382377"/>
+            <a:off x="2007389" y="5617260"/>
+            <a:ext cx="3183567" cy="578830"/>
           </a:xfrm>
           <a:prstGeom prst="rect">
             <a:avLst/>
@@ -3685,7 +4069,7 @@
     </p:custDataLst>
     <p:extLst>
       <p:ext uri="{BB962C8B-B14F-4D97-AF65-F5344CB8AC3E}">
-        <p14:creationId xmlns:p14="http://schemas.microsoft.com/office/powerpoint/2010/main" val="306092679"/>
+        <p14:creationId xmlns:p14="http://schemas.microsoft.com/office/powerpoint/2010/main" val="2529036003"/>
       </p:ext>
     </p:extLst>
   </p:cSld>
@@ -3698,6 +4082,2200 @@
         <p:cTn id="1" dur="indefinite" restart="never" nodeType="tmRoot"/>
       </p:par>
     </p:tnLst>
+  </p:timing>
+</p:sld>
+</file>
+
+<file path=ppt/slides/slide2.xml><?xml version="1.0" encoding="utf-8"?>
+<p:sld xmlns:a="http://schemas.openxmlformats.org/drawingml/2006/main" xmlns:r="http://schemas.openxmlformats.org/officeDocument/2006/relationships" xmlns:p="http://schemas.openxmlformats.org/presentationml/2006/main">
+  <p:cSld>
+    <p:spTree>
+      <p:nvGrpSpPr>
+        <p:cNvPr id="1" name=""/>
+        <p:cNvGrpSpPr/>
+        <p:nvPr/>
+      </p:nvGrpSpPr>
+      <p:grpSpPr>
+        <a:xfrm>
+          <a:off x="0" y="0"/>
+          <a:ext cx="0" cy="0"/>
+          <a:chOff x="0" y="0"/>
+          <a:chExt cx="0" cy="0"/>
+        </a:xfrm>
+      </p:grpSpPr>
+      <p:sp>
+        <p:nvSpPr>
+          <p:cNvPr id="2" name="Title 1"/>
+          <p:cNvSpPr>
+            <a:spLocks noGrp="1"/>
+          </p:cNvSpPr>
+          <p:nvPr>
+            <p:ph type="title"/>
+          </p:nvPr>
+        </p:nvSpPr>
+        <p:spPr/>
+        <p:txBody>
+          <a:bodyPr/>
+          <a:lstStyle/>
+          <a:p>
+            <a:r>
+              <a:rPr lang="en-US" dirty="0" smtClean="0"/>
+              <a:t>Normal validation flow</a:t>
+            </a:r>
+            <a:endParaRPr lang="en-US" dirty="0"/>
+          </a:p>
+        </p:txBody>
+      </p:sp>
+      <p:sp>
+        <p:nvSpPr>
+          <p:cNvPr id="5" name="Rectangle 4"/>
+          <p:cNvSpPr/>
+          <p:nvPr/>
+        </p:nvSpPr>
+        <p:spPr>
+          <a:xfrm>
+            <a:off x="5871147" y="1690688"/>
+            <a:ext cx="854440" cy="4830033"/>
+          </a:xfrm>
+          <a:prstGeom prst="rect">
+            <a:avLst/>
+          </a:prstGeom>
+        </p:spPr>
+        <p:style>
+          <a:lnRef idx="2">
+            <a:schemeClr val="accent2">
+              <a:shade val="50000"/>
+            </a:schemeClr>
+          </a:lnRef>
+          <a:fillRef idx="1">
+            <a:schemeClr val="accent2"/>
+          </a:fillRef>
+          <a:effectRef idx="0">
+            <a:schemeClr val="accent2"/>
+          </a:effectRef>
+          <a:fontRef idx="minor">
+            <a:schemeClr val="lt1"/>
+          </a:fontRef>
+        </p:style>
+        <p:txBody>
+          <a:bodyPr vert="vert" rtlCol="0" anchor="ctr"/>
+          <a:lstStyle/>
+          <a:p>
+            <a:pPr algn="ctr"/>
+            <a:r>
+              <a:rPr lang="en-US" sz="2800" dirty="0" smtClean="0"/>
+              <a:t>MVC</a:t>
+            </a:r>
+            <a:endParaRPr lang="en-US" sz="2800" dirty="0"/>
+          </a:p>
+        </p:txBody>
+      </p:sp>
+      <p:sp>
+        <p:nvSpPr>
+          <p:cNvPr id="6" name="Rectangle 5"/>
+          <p:cNvSpPr/>
+          <p:nvPr/>
+        </p:nvSpPr>
+        <p:spPr>
+          <a:xfrm>
+            <a:off x="2365947" y="1690688"/>
+            <a:ext cx="854440" cy="4830033"/>
+          </a:xfrm>
+          <a:prstGeom prst="rect">
+            <a:avLst/>
+          </a:prstGeom>
+        </p:spPr>
+        <p:style>
+          <a:lnRef idx="2">
+            <a:schemeClr val="accent1">
+              <a:shade val="50000"/>
+            </a:schemeClr>
+          </a:lnRef>
+          <a:fillRef idx="1">
+            <a:schemeClr val="accent1"/>
+          </a:fillRef>
+          <a:effectRef idx="0">
+            <a:schemeClr val="accent1"/>
+          </a:effectRef>
+          <a:fontRef idx="minor">
+            <a:schemeClr val="lt1"/>
+          </a:fontRef>
+        </p:style>
+        <p:txBody>
+          <a:bodyPr vert="vert" rtlCol="0" anchor="ctr"/>
+          <a:lstStyle/>
+          <a:p>
+            <a:pPr algn="ctr"/>
+            <a:r>
+              <a:rPr lang="en-US" sz="2800" dirty="0" smtClean="0"/>
+              <a:t>Browser</a:t>
+            </a:r>
+            <a:endParaRPr lang="en-US" sz="2800" dirty="0"/>
+          </a:p>
+        </p:txBody>
+      </p:sp>
+      <p:sp>
+        <p:nvSpPr>
+          <p:cNvPr id="7" name="Can 6"/>
+          <p:cNvSpPr/>
+          <p:nvPr/>
+        </p:nvSpPr>
+        <p:spPr>
+          <a:xfrm>
+            <a:off x="10133348" y="4526857"/>
+            <a:ext cx="1274164" cy="1484026"/>
+          </a:xfrm>
+          <a:prstGeom prst="can">
+            <a:avLst/>
+          </a:prstGeom>
+        </p:spPr>
+        <p:style>
+          <a:lnRef idx="2">
+            <a:schemeClr val="accent6">
+              <a:shade val="50000"/>
+            </a:schemeClr>
+          </a:lnRef>
+          <a:fillRef idx="1">
+            <a:schemeClr val="accent6"/>
+          </a:fillRef>
+          <a:effectRef idx="0">
+            <a:schemeClr val="accent6"/>
+          </a:effectRef>
+          <a:fontRef idx="minor">
+            <a:schemeClr val="lt1"/>
+          </a:fontRef>
+        </p:style>
+        <p:txBody>
+          <a:bodyPr rtlCol="0" anchor="ctr"/>
+          <a:lstStyle/>
+          <a:p>
+            <a:pPr algn="ctr"/>
+            <a:endParaRPr lang="en-US"/>
+          </a:p>
+        </p:txBody>
+      </p:sp>
+      <p:cxnSp>
+        <p:nvCxnSpPr>
+          <p:cNvPr id="9" name="Straight Arrow Connector 8"/>
+          <p:cNvCxnSpPr/>
+          <p:nvPr/>
+        </p:nvCxnSpPr>
+        <p:spPr>
+          <a:xfrm>
+            <a:off x="3220387" y="2578308"/>
+            <a:ext cx="2650760" cy="14990"/>
+          </a:xfrm>
+          <a:prstGeom prst="straightConnector1">
+            <a:avLst/>
+          </a:prstGeom>
+          <a:ln w="38100">
+            <a:solidFill>
+              <a:schemeClr val="tx1"/>
+            </a:solidFill>
+            <a:tailEnd type="triangle"/>
+          </a:ln>
+        </p:spPr>
+        <p:style>
+          <a:lnRef idx="1">
+            <a:schemeClr val="accent1"/>
+          </a:lnRef>
+          <a:fillRef idx="0">
+            <a:schemeClr val="accent1"/>
+          </a:fillRef>
+          <a:effectRef idx="0">
+            <a:schemeClr val="accent1"/>
+          </a:effectRef>
+          <a:fontRef idx="minor">
+            <a:schemeClr val="tx1"/>
+          </a:fontRef>
+        </p:style>
+      </p:cxnSp>
+      <p:sp>
+        <p:nvSpPr>
+          <p:cNvPr id="10" name="TextBox 9"/>
+          <p:cNvSpPr txBox="1"/>
+          <p:nvPr/>
+        </p:nvSpPr>
+        <p:spPr>
+          <a:xfrm>
+            <a:off x="3747541" y="1978702"/>
+            <a:ext cx="1573967" cy="523220"/>
+          </a:xfrm>
+          <a:prstGeom prst="rect">
+            <a:avLst/>
+          </a:prstGeom>
+          <a:noFill/>
+        </p:spPr>
+        <p:txBody>
+          <a:bodyPr wrap="square" rtlCol="0">
+            <a:spAutoFit/>
+          </a:bodyPr>
+          <a:lstStyle/>
+          <a:p>
+            <a:pPr algn="ctr"/>
+            <a:r>
+              <a:rPr lang="en-US" sz="2800" dirty="0" smtClean="0"/>
+              <a:t>POST</a:t>
+            </a:r>
+            <a:endParaRPr lang="en-US" sz="2800" dirty="0"/>
+          </a:p>
+        </p:txBody>
+      </p:sp>
+      <p:sp>
+        <p:nvSpPr>
+          <p:cNvPr id="13" name="Curved Left Arrow 12"/>
+          <p:cNvSpPr/>
+          <p:nvPr/>
+        </p:nvSpPr>
+        <p:spPr>
+          <a:xfrm>
+            <a:off x="6907967" y="2593298"/>
+            <a:ext cx="734518" cy="1109272"/>
+          </a:xfrm>
+          <a:prstGeom prst="curvedLeftArrow">
+            <a:avLst/>
+          </a:prstGeom>
+        </p:spPr>
+        <p:style>
+          <a:lnRef idx="2">
+            <a:schemeClr val="dk1">
+              <a:shade val="50000"/>
+            </a:schemeClr>
+          </a:lnRef>
+          <a:fillRef idx="1">
+            <a:schemeClr val="dk1"/>
+          </a:fillRef>
+          <a:effectRef idx="0">
+            <a:schemeClr val="dk1"/>
+          </a:effectRef>
+          <a:fontRef idx="minor">
+            <a:schemeClr val="lt1"/>
+          </a:fontRef>
+        </p:style>
+        <p:txBody>
+          <a:bodyPr rtlCol="0" anchor="ctr"/>
+          <a:lstStyle/>
+          <a:p>
+            <a:pPr algn="ctr"/>
+            <a:endParaRPr lang="en-US">
+              <a:solidFill>
+                <a:schemeClr val="tx1"/>
+              </a:solidFill>
+            </a:endParaRPr>
+          </a:p>
+        </p:txBody>
+      </p:sp>
+      <p:sp>
+        <p:nvSpPr>
+          <p:cNvPr id="14" name="TextBox 13"/>
+          <p:cNvSpPr txBox="1"/>
+          <p:nvPr/>
+        </p:nvSpPr>
+        <p:spPr>
+          <a:xfrm>
+            <a:off x="7824865" y="2820212"/>
+            <a:ext cx="1708878" cy="461665"/>
+          </a:xfrm>
+          <a:prstGeom prst="rect">
+            <a:avLst/>
+          </a:prstGeom>
+          <a:noFill/>
+        </p:spPr>
+        <p:txBody>
+          <a:bodyPr wrap="square" rtlCol="0">
+            <a:spAutoFit/>
+          </a:bodyPr>
+          <a:lstStyle/>
+          <a:p>
+            <a:r>
+              <a:rPr lang="en-US" sz="2400" dirty="0" smtClean="0"/>
+              <a:t>Valid?</a:t>
+            </a:r>
+            <a:endParaRPr lang="en-US" sz="2400" dirty="0"/>
+          </a:p>
+        </p:txBody>
+      </p:sp>
+      <p:cxnSp>
+        <p:nvCxnSpPr>
+          <p:cNvPr id="15" name="Straight Arrow Connector 14"/>
+          <p:cNvCxnSpPr/>
+          <p:nvPr/>
+        </p:nvCxnSpPr>
+        <p:spPr>
+          <a:xfrm flipH="1">
+            <a:off x="3235377" y="3147934"/>
+            <a:ext cx="2635770" cy="0"/>
+          </a:xfrm>
+          <a:prstGeom prst="straightConnector1">
+            <a:avLst/>
+          </a:prstGeom>
+          <a:ln w="38100">
+            <a:solidFill>
+              <a:schemeClr val="tx1"/>
+            </a:solidFill>
+            <a:tailEnd type="triangle"/>
+          </a:ln>
+        </p:spPr>
+        <p:style>
+          <a:lnRef idx="1">
+            <a:schemeClr val="accent1"/>
+          </a:lnRef>
+          <a:fillRef idx="0">
+            <a:schemeClr val="accent1"/>
+          </a:fillRef>
+          <a:effectRef idx="0">
+            <a:schemeClr val="accent1"/>
+          </a:effectRef>
+          <a:fontRef idx="minor">
+            <a:schemeClr val="tx1"/>
+          </a:fontRef>
+        </p:style>
+      </p:cxnSp>
+      <p:sp>
+        <p:nvSpPr>
+          <p:cNvPr id="18" name="TextBox 17"/>
+          <p:cNvSpPr txBox="1"/>
+          <p:nvPr/>
+        </p:nvSpPr>
+        <p:spPr>
+          <a:xfrm>
+            <a:off x="3402767" y="3317267"/>
+            <a:ext cx="2286000" cy="646331"/>
+          </a:xfrm>
+          <a:prstGeom prst="rect">
+            <a:avLst/>
+          </a:prstGeom>
+          <a:noFill/>
+        </p:spPr>
+        <p:txBody>
+          <a:bodyPr wrap="square" rtlCol="0">
+            <a:spAutoFit/>
+          </a:bodyPr>
+          <a:lstStyle/>
+          <a:p>
+            <a:r>
+              <a:rPr lang="en-US" dirty="0" smtClean="0"/>
+              <a:t>400 Bad Request</a:t>
+            </a:r>
+          </a:p>
+          <a:p>
+            <a:r>
+              <a:rPr lang="en-US" dirty="0" smtClean="0"/>
+              <a:t>text/html</a:t>
+            </a:r>
+            <a:endParaRPr lang="en-US" dirty="0"/>
+          </a:p>
+        </p:txBody>
+      </p:sp>
+      <p:cxnSp>
+        <p:nvCxnSpPr>
+          <p:cNvPr id="19" name="Straight Arrow Connector 18"/>
+          <p:cNvCxnSpPr>
+            <a:endCxn id="7" idx="2"/>
+          </p:cNvCxnSpPr>
+          <p:nvPr/>
+        </p:nvCxnSpPr>
+        <p:spPr>
+          <a:xfrm>
+            <a:off x="6725587" y="5268870"/>
+            <a:ext cx="3407761" cy="0"/>
+          </a:xfrm>
+          <a:prstGeom prst="straightConnector1">
+            <a:avLst/>
+          </a:prstGeom>
+          <a:ln w="38100">
+            <a:solidFill>
+              <a:schemeClr val="tx1"/>
+            </a:solidFill>
+            <a:tailEnd type="triangle"/>
+          </a:ln>
+        </p:spPr>
+        <p:style>
+          <a:lnRef idx="1">
+            <a:schemeClr val="accent1"/>
+          </a:lnRef>
+          <a:fillRef idx="0">
+            <a:schemeClr val="accent1"/>
+          </a:fillRef>
+          <a:effectRef idx="0">
+            <a:schemeClr val="accent1"/>
+          </a:effectRef>
+          <a:fontRef idx="minor">
+            <a:schemeClr val="tx1"/>
+          </a:fontRef>
+        </p:style>
+      </p:cxnSp>
+      <p:sp>
+        <p:nvSpPr>
+          <p:cNvPr id="23" name="Curved Left Arrow 22"/>
+          <p:cNvSpPr/>
+          <p:nvPr/>
+        </p:nvSpPr>
+        <p:spPr>
+          <a:xfrm>
+            <a:off x="6901096" y="3889947"/>
+            <a:ext cx="734518" cy="1109272"/>
+          </a:xfrm>
+          <a:prstGeom prst="curvedLeftArrow">
+            <a:avLst/>
+          </a:prstGeom>
+        </p:spPr>
+        <p:style>
+          <a:lnRef idx="2">
+            <a:schemeClr val="dk1">
+              <a:shade val="50000"/>
+            </a:schemeClr>
+          </a:lnRef>
+          <a:fillRef idx="1">
+            <a:schemeClr val="dk1"/>
+          </a:fillRef>
+          <a:effectRef idx="0">
+            <a:schemeClr val="dk1"/>
+          </a:effectRef>
+          <a:fontRef idx="minor">
+            <a:schemeClr val="lt1"/>
+          </a:fontRef>
+        </p:style>
+        <p:txBody>
+          <a:bodyPr rtlCol="0" anchor="ctr"/>
+          <a:lstStyle/>
+          <a:p>
+            <a:pPr algn="ctr"/>
+            <a:endParaRPr lang="en-US">
+              <a:solidFill>
+                <a:schemeClr val="tx1"/>
+              </a:solidFill>
+            </a:endParaRPr>
+          </a:p>
+        </p:txBody>
+      </p:sp>
+      <p:sp>
+        <p:nvSpPr>
+          <p:cNvPr id="24" name="TextBox 23"/>
+          <p:cNvSpPr txBox="1"/>
+          <p:nvPr/>
+        </p:nvSpPr>
+        <p:spPr>
+          <a:xfrm>
+            <a:off x="7829238" y="4113199"/>
+            <a:ext cx="1704505" cy="461665"/>
+          </a:xfrm>
+          <a:prstGeom prst="rect">
+            <a:avLst/>
+          </a:prstGeom>
+          <a:noFill/>
+        </p:spPr>
+        <p:txBody>
+          <a:bodyPr wrap="square" rtlCol="0">
+            <a:spAutoFit/>
+          </a:bodyPr>
+          <a:lstStyle/>
+          <a:p>
+            <a:r>
+              <a:rPr lang="en-US" sz="2400" dirty="0" smtClean="0"/>
+              <a:t>Do Work</a:t>
+            </a:r>
+            <a:endParaRPr lang="en-US" sz="2400" dirty="0"/>
+          </a:p>
+        </p:txBody>
+      </p:sp>
+      <p:cxnSp>
+        <p:nvCxnSpPr>
+          <p:cNvPr id="26" name="Straight Arrow Connector 25"/>
+          <p:cNvCxnSpPr/>
+          <p:nvPr/>
+        </p:nvCxnSpPr>
+        <p:spPr>
+          <a:xfrm flipH="1" flipV="1">
+            <a:off x="3220387" y="5801193"/>
+            <a:ext cx="2650761" cy="14991"/>
+          </a:xfrm>
+          <a:prstGeom prst="straightConnector1">
+            <a:avLst/>
+          </a:prstGeom>
+          <a:ln w="38100">
+            <a:solidFill>
+              <a:schemeClr val="tx1"/>
+            </a:solidFill>
+            <a:tailEnd type="triangle"/>
+          </a:ln>
+        </p:spPr>
+        <p:style>
+          <a:lnRef idx="1">
+            <a:schemeClr val="accent1"/>
+          </a:lnRef>
+          <a:fillRef idx="0">
+            <a:schemeClr val="accent1"/>
+          </a:fillRef>
+          <a:effectRef idx="0">
+            <a:schemeClr val="accent1"/>
+          </a:effectRef>
+          <a:fontRef idx="minor">
+            <a:schemeClr val="tx1"/>
+          </a:fontRef>
+        </p:style>
+      </p:cxnSp>
+      <p:sp>
+        <p:nvSpPr>
+          <p:cNvPr id="32" name="TextBox 31"/>
+          <p:cNvSpPr txBox="1"/>
+          <p:nvPr/>
+        </p:nvSpPr>
+        <p:spPr>
+          <a:xfrm>
+            <a:off x="3410262" y="5874390"/>
+            <a:ext cx="2286000" cy="646331"/>
+          </a:xfrm>
+          <a:prstGeom prst="rect">
+            <a:avLst/>
+          </a:prstGeom>
+          <a:noFill/>
+        </p:spPr>
+        <p:txBody>
+          <a:bodyPr wrap="square" rtlCol="0">
+            <a:spAutoFit/>
+          </a:bodyPr>
+          <a:lstStyle/>
+          <a:p>
+            <a:r>
+              <a:rPr lang="en-US" dirty="0" smtClean="0"/>
+              <a:t>302 Found</a:t>
+            </a:r>
+          </a:p>
+          <a:p>
+            <a:r>
+              <a:rPr lang="en-US" dirty="0" smtClean="0"/>
+              <a:t>/student/index</a:t>
+            </a:r>
+            <a:endParaRPr lang="en-US" dirty="0"/>
+          </a:p>
+        </p:txBody>
+      </p:sp>
+    </p:spTree>
+    <p:extLst>
+      <p:ext uri="{BB962C8B-B14F-4D97-AF65-F5344CB8AC3E}">
+        <p14:creationId xmlns:p14="http://schemas.microsoft.com/office/powerpoint/2010/main" val="2597125212"/>
+      </p:ext>
+    </p:extLst>
+  </p:cSld>
+  <p:clrMapOvr>
+    <a:masterClrMapping/>
+  </p:clrMapOvr>
+  <p:timing>
+    <p:tnLst>
+      <p:par>
+        <p:cTn id="1" dur="indefinite" restart="never" nodeType="tmRoot">
+          <p:childTnLst>
+            <p:seq concurrent="1" nextAc="seek">
+              <p:cTn id="2" dur="indefinite" nodeType="mainSeq">
+                <p:childTnLst>
+                  <p:par>
+                    <p:cTn id="3" fill="hold">
+                      <p:stCondLst>
+                        <p:cond delay="indefinite"/>
+                      </p:stCondLst>
+                      <p:childTnLst>
+                        <p:par>
+                          <p:cTn id="4" fill="hold">
+                            <p:stCondLst>
+                              <p:cond delay="0"/>
+                            </p:stCondLst>
+                            <p:childTnLst>
+                              <p:par>
+                                <p:cTn id="5" presetID="1" presetClass="entr" presetSubtype="0" fill="hold" nodeType="clickEffect">
+                                  <p:stCondLst>
+                                    <p:cond delay="0"/>
+                                  </p:stCondLst>
+                                  <p:childTnLst>
+                                    <p:set>
+                                      <p:cBhvr>
+                                        <p:cTn id="6" dur="1" fill="hold">
+                                          <p:stCondLst>
+                                            <p:cond delay="0"/>
+                                          </p:stCondLst>
+                                        </p:cTn>
+                                        <p:tgtEl>
+                                          <p:spTgt spid="9"/>
+                                        </p:tgtEl>
+                                        <p:attrNameLst>
+                                          <p:attrName>style.visibility</p:attrName>
+                                        </p:attrNameLst>
+                                      </p:cBhvr>
+                                      <p:to>
+                                        <p:strVal val="visible"/>
+                                      </p:to>
+                                    </p:set>
+                                  </p:childTnLst>
+                                </p:cTn>
+                              </p:par>
+                              <p:par>
+                                <p:cTn id="7" presetID="1" presetClass="entr" presetSubtype="0" fill="hold" grpId="0" nodeType="withEffect">
+                                  <p:stCondLst>
+                                    <p:cond delay="0"/>
+                                  </p:stCondLst>
+                                  <p:childTnLst>
+                                    <p:set>
+                                      <p:cBhvr>
+                                        <p:cTn id="8" dur="1" fill="hold">
+                                          <p:stCondLst>
+                                            <p:cond delay="0"/>
+                                          </p:stCondLst>
+                                        </p:cTn>
+                                        <p:tgtEl>
+                                          <p:spTgt spid="10"/>
+                                        </p:tgtEl>
+                                        <p:attrNameLst>
+                                          <p:attrName>style.visibility</p:attrName>
+                                        </p:attrNameLst>
+                                      </p:cBhvr>
+                                      <p:to>
+                                        <p:strVal val="visible"/>
+                                      </p:to>
+                                    </p:set>
+                                  </p:childTnLst>
+                                </p:cTn>
+                              </p:par>
+                            </p:childTnLst>
+                          </p:cTn>
+                        </p:par>
+                      </p:childTnLst>
+                    </p:cTn>
+                  </p:par>
+                  <p:par>
+                    <p:cTn id="9" fill="hold">
+                      <p:stCondLst>
+                        <p:cond delay="indefinite"/>
+                      </p:stCondLst>
+                      <p:childTnLst>
+                        <p:par>
+                          <p:cTn id="10" fill="hold">
+                            <p:stCondLst>
+                              <p:cond delay="0"/>
+                            </p:stCondLst>
+                            <p:childTnLst>
+                              <p:par>
+                                <p:cTn id="11" presetID="1" presetClass="entr" presetSubtype="0" fill="hold" grpId="0" nodeType="clickEffect">
+                                  <p:stCondLst>
+                                    <p:cond delay="0"/>
+                                  </p:stCondLst>
+                                  <p:childTnLst>
+                                    <p:set>
+                                      <p:cBhvr>
+                                        <p:cTn id="12" dur="1" fill="hold">
+                                          <p:stCondLst>
+                                            <p:cond delay="0"/>
+                                          </p:stCondLst>
+                                        </p:cTn>
+                                        <p:tgtEl>
+                                          <p:spTgt spid="13"/>
+                                        </p:tgtEl>
+                                        <p:attrNameLst>
+                                          <p:attrName>style.visibility</p:attrName>
+                                        </p:attrNameLst>
+                                      </p:cBhvr>
+                                      <p:to>
+                                        <p:strVal val="visible"/>
+                                      </p:to>
+                                    </p:set>
+                                  </p:childTnLst>
+                                </p:cTn>
+                              </p:par>
+                              <p:par>
+                                <p:cTn id="13" presetID="1" presetClass="entr" presetSubtype="0" fill="hold" grpId="0" nodeType="withEffect">
+                                  <p:stCondLst>
+                                    <p:cond delay="0"/>
+                                  </p:stCondLst>
+                                  <p:childTnLst>
+                                    <p:set>
+                                      <p:cBhvr>
+                                        <p:cTn id="14" dur="1" fill="hold">
+                                          <p:stCondLst>
+                                            <p:cond delay="0"/>
+                                          </p:stCondLst>
+                                        </p:cTn>
+                                        <p:tgtEl>
+                                          <p:spTgt spid="14"/>
+                                        </p:tgtEl>
+                                        <p:attrNameLst>
+                                          <p:attrName>style.visibility</p:attrName>
+                                        </p:attrNameLst>
+                                      </p:cBhvr>
+                                      <p:to>
+                                        <p:strVal val="visible"/>
+                                      </p:to>
+                                    </p:set>
+                                  </p:childTnLst>
+                                </p:cTn>
+                              </p:par>
+                            </p:childTnLst>
+                          </p:cTn>
+                        </p:par>
+                      </p:childTnLst>
+                    </p:cTn>
+                  </p:par>
+                  <p:par>
+                    <p:cTn id="15" fill="hold">
+                      <p:stCondLst>
+                        <p:cond delay="indefinite"/>
+                      </p:stCondLst>
+                      <p:childTnLst>
+                        <p:par>
+                          <p:cTn id="16" fill="hold">
+                            <p:stCondLst>
+                              <p:cond delay="0"/>
+                            </p:stCondLst>
+                            <p:childTnLst>
+                              <p:par>
+                                <p:cTn id="17" presetID="1" presetClass="entr" presetSubtype="0" fill="hold" nodeType="clickEffect">
+                                  <p:stCondLst>
+                                    <p:cond delay="0"/>
+                                  </p:stCondLst>
+                                  <p:childTnLst>
+                                    <p:set>
+                                      <p:cBhvr>
+                                        <p:cTn id="18" dur="1" fill="hold">
+                                          <p:stCondLst>
+                                            <p:cond delay="0"/>
+                                          </p:stCondLst>
+                                        </p:cTn>
+                                        <p:tgtEl>
+                                          <p:spTgt spid="15"/>
+                                        </p:tgtEl>
+                                        <p:attrNameLst>
+                                          <p:attrName>style.visibility</p:attrName>
+                                        </p:attrNameLst>
+                                      </p:cBhvr>
+                                      <p:to>
+                                        <p:strVal val="visible"/>
+                                      </p:to>
+                                    </p:set>
+                                  </p:childTnLst>
+                                </p:cTn>
+                              </p:par>
+                              <p:par>
+                                <p:cTn id="19" presetID="1" presetClass="entr" presetSubtype="0" fill="hold" grpId="0" nodeType="withEffect">
+                                  <p:stCondLst>
+                                    <p:cond delay="0"/>
+                                  </p:stCondLst>
+                                  <p:childTnLst>
+                                    <p:set>
+                                      <p:cBhvr>
+                                        <p:cTn id="20" dur="1" fill="hold">
+                                          <p:stCondLst>
+                                            <p:cond delay="0"/>
+                                          </p:stCondLst>
+                                        </p:cTn>
+                                        <p:tgtEl>
+                                          <p:spTgt spid="18"/>
+                                        </p:tgtEl>
+                                        <p:attrNameLst>
+                                          <p:attrName>style.visibility</p:attrName>
+                                        </p:attrNameLst>
+                                      </p:cBhvr>
+                                      <p:to>
+                                        <p:strVal val="visible"/>
+                                      </p:to>
+                                    </p:set>
+                                  </p:childTnLst>
+                                </p:cTn>
+                              </p:par>
+                            </p:childTnLst>
+                          </p:cTn>
+                        </p:par>
+                      </p:childTnLst>
+                    </p:cTn>
+                  </p:par>
+                  <p:par>
+                    <p:cTn id="21" fill="hold">
+                      <p:stCondLst>
+                        <p:cond delay="indefinite"/>
+                      </p:stCondLst>
+                      <p:childTnLst>
+                        <p:par>
+                          <p:cTn id="22" fill="hold">
+                            <p:stCondLst>
+                              <p:cond delay="0"/>
+                            </p:stCondLst>
+                            <p:childTnLst>
+                              <p:par>
+                                <p:cTn id="23" presetID="1" presetClass="exit" presetSubtype="0" fill="hold" nodeType="clickEffect">
+                                  <p:stCondLst>
+                                    <p:cond delay="0"/>
+                                  </p:stCondLst>
+                                  <p:childTnLst>
+                                    <p:set>
+                                      <p:cBhvr>
+                                        <p:cTn id="24" dur="1" fill="hold">
+                                          <p:stCondLst>
+                                            <p:cond delay="0"/>
+                                          </p:stCondLst>
+                                        </p:cTn>
+                                        <p:tgtEl>
+                                          <p:spTgt spid="15"/>
+                                        </p:tgtEl>
+                                        <p:attrNameLst>
+                                          <p:attrName>style.visibility</p:attrName>
+                                        </p:attrNameLst>
+                                      </p:cBhvr>
+                                      <p:to>
+                                        <p:strVal val="hidden"/>
+                                      </p:to>
+                                    </p:set>
+                                  </p:childTnLst>
+                                </p:cTn>
+                              </p:par>
+                              <p:par>
+                                <p:cTn id="25" presetID="1" presetClass="exit" presetSubtype="0" fill="hold" grpId="1" nodeType="withEffect">
+                                  <p:stCondLst>
+                                    <p:cond delay="0"/>
+                                  </p:stCondLst>
+                                  <p:childTnLst>
+                                    <p:set>
+                                      <p:cBhvr>
+                                        <p:cTn id="26" dur="1" fill="hold">
+                                          <p:stCondLst>
+                                            <p:cond delay="0"/>
+                                          </p:stCondLst>
+                                        </p:cTn>
+                                        <p:tgtEl>
+                                          <p:spTgt spid="18"/>
+                                        </p:tgtEl>
+                                        <p:attrNameLst>
+                                          <p:attrName>style.visibility</p:attrName>
+                                        </p:attrNameLst>
+                                      </p:cBhvr>
+                                      <p:to>
+                                        <p:strVal val="hidden"/>
+                                      </p:to>
+                                    </p:set>
+                                  </p:childTnLst>
+                                </p:cTn>
+                              </p:par>
+                            </p:childTnLst>
+                          </p:cTn>
+                        </p:par>
+                      </p:childTnLst>
+                    </p:cTn>
+                  </p:par>
+                  <p:par>
+                    <p:cTn id="27" fill="hold">
+                      <p:stCondLst>
+                        <p:cond delay="indefinite"/>
+                      </p:stCondLst>
+                      <p:childTnLst>
+                        <p:par>
+                          <p:cTn id="28" fill="hold">
+                            <p:stCondLst>
+                              <p:cond delay="0"/>
+                            </p:stCondLst>
+                            <p:childTnLst>
+                              <p:par>
+                                <p:cTn id="29" presetID="1" presetClass="entr" presetSubtype="0" fill="hold" grpId="0" nodeType="clickEffect">
+                                  <p:stCondLst>
+                                    <p:cond delay="0"/>
+                                  </p:stCondLst>
+                                  <p:childTnLst>
+                                    <p:set>
+                                      <p:cBhvr>
+                                        <p:cTn id="30" dur="1" fill="hold">
+                                          <p:stCondLst>
+                                            <p:cond delay="0"/>
+                                          </p:stCondLst>
+                                        </p:cTn>
+                                        <p:tgtEl>
+                                          <p:spTgt spid="23"/>
+                                        </p:tgtEl>
+                                        <p:attrNameLst>
+                                          <p:attrName>style.visibility</p:attrName>
+                                        </p:attrNameLst>
+                                      </p:cBhvr>
+                                      <p:to>
+                                        <p:strVal val="visible"/>
+                                      </p:to>
+                                    </p:set>
+                                  </p:childTnLst>
+                                </p:cTn>
+                              </p:par>
+                              <p:par>
+                                <p:cTn id="31" presetID="1" presetClass="entr" presetSubtype="0" fill="hold" grpId="0" nodeType="withEffect">
+                                  <p:stCondLst>
+                                    <p:cond delay="0"/>
+                                  </p:stCondLst>
+                                  <p:childTnLst>
+                                    <p:set>
+                                      <p:cBhvr>
+                                        <p:cTn id="32" dur="1" fill="hold">
+                                          <p:stCondLst>
+                                            <p:cond delay="0"/>
+                                          </p:stCondLst>
+                                        </p:cTn>
+                                        <p:tgtEl>
+                                          <p:spTgt spid="24"/>
+                                        </p:tgtEl>
+                                        <p:attrNameLst>
+                                          <p:attrName>style.visibility</p:attrName>
+                                        </p:attrNameLst>
+                                      </p:cBhvr>
+                                      <p:to>
+                                        <p:strVal val="visible"/>
+                                      </p:to>
+                                    </p:set>
+                                  </p:childTnLst>
+                                </p:cTn>
+                              </p:par>
+                            </p:childTnLst>
+                          </p:cTn>
+                        </p:par>
+                      </p:childTnLst>
+                    </p:cTn>
+                  </p:par>
+                  <p:par>
+                    <p:cTn id="33" fill="hold">
+                      <p:stCondLst>
+                        <p:cond delay="indefinite"/>
+                      </p:stCondLst>
+                      <p:childTnLst>
+                        <p:par>
+                          <p:cTn id="34" fill="hold">
+                            <p:stCondLst>
+                              <p:cond delay="0"/>
+                            </p:stCondLst>
+                            <p:childTnLst>
+                              <p:par>
+                                <p:cTn id="35" presetID="1" presetClass="entr" presetSubtype="0" fill="hold" nodeType="clickEffect">
+                                  <p:stCondLst>
+                                    <p:cond delay="0"/>
+                                  </p:stCondLst>
+                                  <p:childTnLst>
+                                    <p:set>
+                                      <p:cBhvr>
+                                        <p:cTn id="36" dur="1" fill="hold">
+                                          <p:stCondLst>
+                                            <p:cond delay="0"/>
+                                          </p:stCondLst>
+                                        </p:cTn>
+                                        <p:tgtEl>
+                                          <p:spTgt spid="19"/>
+                                        </p:tgtEl>
+                                        <p:attrNameLst>
+                                          <p:attrName>style.visibility</p:attrName>
+                                        </p:attrNameLst>
+                                      </p:cBhvr>
+                                      <p:to>
+                                        <p:strVal val="visible"/>
+                                      </p:to>
+                                    </p:set>
+                                  </p:childTnLst>
+                                </p:cTn>
+                              </p:par>
+                            </p:childTnLst>
+                          </p:cTn>
+                        </p:par>
+                      </p:childTnLst>
+                    </p:cTn>
+                  </p:par>
+                  <p:par>
+                    <p:cTn id="37" fill="hold">
+                      <p:stCondLst>
+                        <p:cond delay="indefinite"/>
+                      </p:stCondLst>
+                      <p:childTnLst>
+                        <p:par>
+                          <p:cTn id="38" fill="hold">
+                            <p:stCondLst>
+                              <p:cond delay="0"/>
+                            </p:stCondLst>
+                            <p:childTnLst>
+                              <p:par>
+                                <p:cTn id="39" presetID="1" presetClass="entr" presetSubtype="0" fill="hold" nodeType="clickEffect">
+                                  <p:stCondLst>
+                                    <p:cond delay="0"/>
+                                  </p:stCondLst>
+                                  <p:childTnLst>
+                                    <p:set>
+                                      <p:cBhvr>
+                                        <p:cTn id="40" dur="1" fill="hold">
+                                          <p:stCondLst>
+                                            <p:cond delay="0"/>
+                                          </p:stCondLst>
+                                        </p:cTn>
+                                        <p:tgtEl>
+                                          <p:spTgt spid="26"/>
+                                        </p:tgtEl>
+                                        <p:attrNameLst>
+                                          <p:attrName>style.visibility</p:attrName>
+                                        </p:attrNameLst>
+                                      </p:cBhvr>
+                                      <p:to>
+                                        <p:strVal val="visible"/>
+                                      </p:to>
+                                    </p:set>
+                                  </p:childTnLst>
+                                </p:cTn>
+                              </p:par>
+                              <p:par>
+                                <p:cTn id="41" presetID="1" presetClass="entr" presetSubtype="0" fill="hold" grpId="0" nodeType="withEffect">
+                                  <p:stCondLst>
+                                    <p:cond delay="0"/>
+                                  </p:stCondLst>
+                                  <p:childTnLst>
+                                    <p:set>
+                                      <p:cBhvr>
+                                        <p:cTn id="42" dur="1" fill="hold">
+                                          <p:stCondLst>
+                                            <p:cond delay="0"/>
+                                          </p:stCondLst>
+                                        </p:cTn>
+                                        <p:tgtEl>
+                                          <p:spTgt spid="32"/>
+                                        </p:tgtEl>
+                                        <p:attrNameLst>
+                                          <p:attrName>style.visibility</p:attrName>
+                                        </p:attrNameLst>
+                                      </p:cBhvr>
+                                      <p:to>
+                                        <p:strVal val="visible"/>
+                                      </p:to>
+                                    </p:set>
+                                  </p:childTnLst>
+                                </p:cTn>
+                              </p:par>
+                            </p:childTnLst>
+                          </p:cTn>
+                        </p:par>
+                      </p:childTnLst>
+                    </p:cTn>
+                  </p:par>
+                </p:childTnLst>
+              </p:cTn>
+              <p:prevCondLst>
+                <p:cond evt="onPrev" delay="0">
+                  <p:tgtEl>
+                    <p:sldTgt/>
+                  </p:tgtEl>
+                </p:cond>
+              </p:prevCondLst>
+              <p:nextCondLst>
+                <p:cond evt="onNext" delay="0">
+                  <p:tgtEl>
+                    <p:sldTgt/>
+                  </p:tgtEl>
+                </p:cond>
+              </p:nextCondLst>
+            </p:seq>
+          </p:childTnLst>
+        </p:cTn>
+      </p:par>
+    </p:tnLst>
+    <p:bldLst>
+      <p:bldP spid="10" grpId="0"/>
+      <p:bldP spid="13" grpId="0" animBg="1"/>
+      <p:bldP spid="14" grpId="0"/>
+      <p:bldP spid="18" grpId="0"/>
+      <p:bldP spid="18" grpId="1"/>
+      <p:bldP spid="23" grpId="0" animBg="1"/>
+      <p:bldP spid="24" grpId="0"/>
+      <p:bldP spid="32" grpId="0"/>
+    </p:bldLst>
+  </p:timing>
+</p:sld>
+</file>
+
+<file path=ppt/slides/slide3.xml><?xml version="1.0" encoding="utf-8"?>
+<p:sld xmlns:a="http://schemas.openxmlformats.org/drawingml/2006/main" xmlns:r="http://schemas.openxmlformats.org/officeDocument/2006/relationships" xmlns:p="http://schemas.openxmlformats.org/presentationml/2006/main">
+  <p:cSld>
+    <p:spTree>
+      <p:nvGrpSpPr>
+        <p:cNvPr id="1" name=""/>
+        <p:cNvGrpSpPr/>
+        <p:nvPr/>
+      </p:nvGrpSpPr>
+      <p:grpSpPr>
+        <a:xfrm>
+          <a:off x="0" y="0"/>
+          <a:ext cx="0" cy="0"/>
+          <a:chOff x="0" y="0"/>
+          <a:chExt cx="0" cy="0"/>
+        </a:xfrm>
+      </p:grpSpPr>
+      <p:sp>
+        <p:nvSpPr>
+          <p:cNvPr id="2" name="Title 1"/>
+          <p:cNvSpPr>
+            <a:spLocks noGrp="1"/>
+          </p:cNvSpPr>
+          <p:nvPr>
+            <p:ph type="title"/>
+          </p:nvPr>
+        </p:nvSpPr>
+        <p:spPr/>
+        <p:txBody>
+          <a:bodyPr/>
+          <a:lstStyle/>
+          <a:p>
+            <a:r>
+              <a:rPr lang="en-US" dirty="0" smtClean="0"/>
+              <a:t>Modified validation flow</a:t>
+            </a:r>
+            <a:endParaRPr lang="en-US" dirty="0"/>
+          </a:p>
+        </p:txBody>
+      </p:sp>
+      <p:sp>
+        <p:nvSpPr>
+          <p:cNvPr id="5" name="Rectangle 4"/>
+          <p:cNvSpPr/>
+          <p:nvPr/>
+        </p:nvSpPr>
+        <p:spPr>
+          <a:xfrm>
+            <a:off x="5871147" y="1690688"/>
+            <a:ext cx="854440" cy="4830033"/>
+          </a:xfrm>
+          <a:prstGeom prst="rect">
+            <a:avLst/>
+          </a:prstGeom>
+        </p:spPr>
+        <p:style>
+          <a:lnRef idx="2">
+            <a:schemeClr val="accent2">
+              <a:shade val="50000"/>
+            </a:schemeClr>
+          </a:lnRef>
+          <a:fillRef idx="1">
+            <a:schemeClr val="accent2"/>
+          </a:fillRef>
+          <a:effectRef idx="0">
+            <a:schemeClr val="accent2"/>
+          </a:effectRef>
+          <a:fontRef idx="minor">
+            <a:schemeClr val="lt1"/>
+          </a:fontRef>
+        </p:style>
+        <p:txBody>
+          <a:bodyPr vert="vert" rtlCol="0" anchor="ctr"/>
+          <a:lstStyle/>
+          <a:p>
+            <a:pPr algn="ctr"/>
+            <a:r>
+              <a:rPr lang="en-US" sz="2800" dirty="0" smtClean="0"/>
+              <a:t>MVC</a:t>
+            </a:r>
+            <a:endParaRPr lang="en-US" sz="2800" dirty="0"/>
+          </a:p>
+        </p:txBody>
+      </p:sp>
+      <p:sp>
+        <p:nvSpPr>
+          <p:cNvPr id="6" name="Rectangle 5"/>
+          <p:cNvSpPr/>
+          <p:nvPr/>
+        </p:nvSpPr>
+        <p:spPr>
+          <a:xfrm>
+            <a:off x="2365947" y="1690688"/>
+            <a:ext cx="854440" cy="4830033"/>
+          </a:xfrm>
+          <a:prstGeom prst="rect">
+            <a:avLst/>
+          </a:prstGeom>
+        </p:spPr>
+        <p:style>
+          <a:lnRef idx="2">
+            <a:schemeClr val="accent1">
+              <a:shade val="50000"/>
+            </a:schemeClr>
+          </a:lnRef>
+          <a:fillRef idx="1">
+            <a:schemeClr val="accent1"/>
+          </a:fillRef>
+          <a:effectRef idx="0">
+            <a:schemeClr val="accent1"/>
+          </a:effectRef>
+          <a:fontRef idx="minor">
+            <a:schemeClr val="lt1"/>
+          </a:fontRef>
+        </p:style>
+        <p:txBody>
+          <a:bodyPr vert="vert" rtlCol="0" anchor="ctr"/>
+          <a:lstStyle/>
+          <a:p>
+            <a:pPr algn="ctr"/>
+            <a:r>
+              <a:rPr lang="en-US" sz="2800" dirty="0" smtClean="0"/>
+              <a:t>Browser</a:t>
+            </a:r>
+            <a:endParaRPr lang="en-US" sz="2800" dirty="0"/>
+          </a:p>
+        </p:txBody>
+      </p:sp>
+      <p:sp>
+        <p:nvSpPr>
+          <p:cNvPr id="7" name="Can 6"/>
+          <p:cNvSpPr/>
+          <p:nvPr/>
+        </p:nvSpPr>
+        <p:spPr>
+          <a:xfrm>
+            <a:off x="10133348" y="4526857"/>
+            <a:ext cx="1274164" cy="1484026"/>
+          </a:xfrm>
+          <a:prstGeom prst="can">
+            <a:avLst/>
+          </a:prstGeom>
+        </p:spPr>
+        <p:style>
+          <a:lnRef idx="2">
+            <a:schemeClr val="accent6">
+              <a:shade val="50000"/>
+            </a:schemeClr>
+          </a:lnRef>
+          <a:fillRef idx="1">
+            <a:schemeClr val="accent6"/>
+          </a:fillRef>
+          <a:effectRef idx="0">
+            <a:schemeClr val="accent6"/>
+          </a:effectRef>
+          <a:fontRef idx="minor">
+            <a:schemeClr val="lt1"/>
+          </a:fontRef>
+        </p:style>
+        <p:txBody>
+          <a:bodyPr rtlCol="0" anchor="ctr"/>
+          <a:lstStyle/>
+          <a:p>
+            <a:pPr algn="ctr"/>
+            <a:endParaRPr lang="en-US"/>
+          </a:p>
+        </p:txBody>
+      </p:sp>
+      <p:cxnSp>
+        <p:nvCxnSpPr>
+          <p:cNvPr id="9" name="Straight Arrow Connector 8"/>
+          <p:cNvCxnSpPr/>
+          <p:nvPr/>
+        </p:nvCxnSpPr>
+        <p:spPr>
+          <a:xfrm>
+            <a:off x="3220387" y="2578308"/>
+            <a:ext cx="2650760" cy="14990"/>
+          </a:xfrm>
+          <a:prstGeom prst="straightConnector1">
+            <a:avLst/>
+          </a:prstGeom>
+          <a:ln w="38100">
+            <a:solidFill>
+              <a:schemeClr val="tx1"/>
+            </a:solidFill>
+            <a:tailEnd type="triangle"/>
+          </a:ln>
+        </p:spPr>
+        <p:style>
+          <a:lnRef idx="1">
+            <a:schemeClr val="accent1"/>
+          </a:lnRef>
+          <a:fillRef idx="0">
+            <a:schemeClr val="accent1"/>
+          </a:fillRef>
+          <a:effectRef idx="0">
+            <a:schemeClr val="accent1"/>
+          </a:effectRef>
+          <a:fontRef idx="minor">
+            <a:schemeClr val="tx1"/>
+          </a:fontRef>
+        </p:style>
+      </p:cxnSp>
+      <p:sp>
+        <p:nvSpPr>
+          <p:cNvPr id="10" name="TextBox 9"/>
+          <p:cNvSpPr txBox="1"/>
+          <p:nvPr/>
+        </p:nvSpPr>
+        <p:spPr>
+          <a:xfrm>
+            <a:off x="3410263" y="1978702"/>
+            <a:ext cx="2278504" cy="523220"/>
+          </a:xfrm>
+          <a:prstGeom prst="rect">
+            <a:avLst/>
+          </a:prstGeom>
+          <a:noFill/>
+        </p:spPr>
+        <p:txBody>
+          <a:bodyPr wrap="square" rtlCol="0">
+            <a:spAutoFit/>
+          </a:bodyPr>
+          <a:lstStyle/>
+          <a:p>
+            <a:pPr algn="ctr"/>
+            <a:r>
+              <a:rPr lang="en-US" sz="2800" dirty="0" smtClean="0"/>
+              <a:t>AJAX POST</a:t>
+            </a:r>
+            <a:endParaRPr lang="en-US" sz="2800" dirty="0"/>
+          </a:p>
+        </p:txBody>
+      </p:sp>
+      <p:sp>
+        <p:nvSpPr>
+          <p:cNvPr id="13" name="Curved Left Arrow 12"/>
+          <p:cNvSpPr/>
+          <p:nvPr/>
+        </p:nvSpPr>
+        <p:spPr>
+          <a:xfrm>
+            <a:off x="6907967" y="2593298"/>
+            <a:ext cx="734518" cy="1109272"/>
+          </a:xfrm>
+          <a:prstGeom prst="curvedLeftArrow">
+            <a:avLst/>
+          </a:prstGeom>
+        </p:spPr>
+        <p:style>
+          <a:lnRef idx="2">
+            <a:schemeClr val="dk1">
+              <a:shade val="50000"/>
+            </a:schemeClr>
+          </a:lnRef>
+          <a:fillRef idx="1">
+            <a:schemeClr val="dk1"/>
+          </a:fillRef>
+          <a:effectRef idx="0">
+            <a:schemeClr val="dk1"/>
+          </a:effectRef>
+          <a:fontRef idx="minor">
+            <a:schemeClr val="lt1"/>
+          </a:fontRef>
+        </p:style>
+        <p:txBody>
+          <a:bodyPr rtlCol="0" anchor="ctr"/>
+          <a:lstStyle/>
+          <a:p>
+            <a:pPr algn="ctr"/>
+            <a:endParaRPr lang="en-US">
+              <a:solidFill>
+                <a:schemeClr val="tx1"/>
+              </a:solidFill>
+            </a:endParaRPr>
+          </a:p>
+        </p:txBody>
+      </p:sp>
+      <p:sp>
+        <p:nvSpPr>
+          <p:cNvPr id="14" name="TextBox 13"/>
+          <p:cNvSpPr txBox="1"/>
+          <p:nvPr/>
+        </p:nvSpPr>
+        <p:spPr>
+          <a:xfrm>
+            <a:off x="7824865" y="2820212"/>
+            <a:ext cx="1708878" cy="461665"/>
+          </a:xfrm>
+          <a:prstGeom prst="rect">
+            <a:avLst/>
+          </a:prstGeom>
+          <a:noFill/>
+        </p:spPr>
+        <p:txBody>
+          <a:bodyPr wrap="square" rtlCol="0">
+            <a:spAutoFit/>
+          </a:bodyPr>
+          <a:lstStyle/>
+          <a:p>
+            <a:r>
+              <a:rPr lang="en-US" sz="2400" dirty="0" smtClean="0"/>
+              <a:t>Valid?</a:t>
+            </a:r>
+            <a:endParaRPr lang="en-US" sz="2400" dirty="0"/>
+          </a:p>
+        </p:txBody>
+      </p:sp>
+      <p:cxnSp>
+        <p:nvCxnSpPr>
+          <p:cNvPr id="15" name="Straight Arrow Connector 14"/>
+          <p:cNvCxnSpPr/>
+          <p:nvPr/>
+        </p:nvCxnSpPr>
+        <p:spPr>
+          <a:xfrm flipH="1">
+            <a:off x="3235377" y="3147934"/>
+            <a:ext cx="2635770" cy="0"/>
+          </a:xfrm>
+          <a:prstGeom prst="straightConnector1">
+            <a:avLst/>
+          </a:prstGeom>
+          <a:ln w="38100">
+            <a:solidFill>
+              <a:schemeClr val="tx1"/>
+            </a:solidFill>
+            <a:tailEnd type="triangle"/>
+          </a:ln>
+        </p:spPr>
+        <p:style>
+          <a:lnRef idx="1">
+            <a:schemeClr val="accent1"/>
+          </a:lnRef>
+          <a:fillRef idx="0">
+            <a:schemeClr val="accent1"/>
+          </a:fillRef>
+          <a:effectRef idx="0">
+            <a:schemeClr val="accent1"/>
+          </a:effectRef>
+          <a:fontRef idx="minor">
+            <a:schemeClr val="tx1"/>
+          </a:fontRef>
+        </p:style>
+      </p:cxnSp>
+      <p:sp>
+        <p:nvSpPr>
+          <p:cNvPr id="18" name="TextBox 17"/>
+          <p:cNvSpPr txBox="1"/>
+          <p:nvPr/>
+        </p:nvSpPr>
+        <p:spPr>
+          <a:xfrm>
+            <a:off x="3402767" y="3317267"/>
+            <a:ext cx="2286000" cy="646331"/>
+          </a:xfrm>
+          <a:prstGeom prst="rect">
+            <a:avLst/>
+          </a:prstGeom>
+          <a:noFill/>
+        </p:spPr>
+        <p:txBody>
+          <a:bodyPr wrap="square" rtlCol="0">
+            <a:spAutoFit/>
+          </a:bodyPr>
+          <a:lstStyle/>
+          <a:p>
+            <a:r>
+              <a:rPr lang="en-US" dirty="0" smtClean="0"/>
+              <a:t>400 Bad Request</a:t>
+            </a:r>
+          </a:p>
+          <a:p>
+            <a:r>
+              <a:rPr lang="en-US" dirty="0" smtClean="0"/>
+              <a:t>text/</a:t>
+            </a:r>
+            <a:r>
+              <a:rPr lang="en-US" dirty="0" err="1" smtClean="0"/>
+              <a:t>javascript</a:t>
+            </a:r>
+            <a:endParaRPr lang="en-US" dirty="0"/>
+          </a:p>
+        </p:txBody>
+      </p:sp>
+      <p:cxnSp>
+        <p:nvCxnSpPr>
+          <p:cNvPr id="19" name="Straight Arrow Connector 18"/>
+          <p:cNvCxnSpPr>
+            <a:endCxn id="7" idx="2"/>
+          </p:cNvCxnSpPr>
+          <p:nvPr/>
+        </p:nvCxnSpPr>
+        <p:spPr>
+          <a:xfrm>
+            <a:off x="6725587" y="5268870"/>
+            <a:ext cx="3407761" cy="0"/>
+          </a:xfrm>
+          <a:prstGeom prst="straightConnector1">
+            <a:avLst/>
+          </a:prstGeom>
+          <a:ln w="38100">
+            <a:solidFill>
+              <a:schemeClr val="tx1"/>
+            </a:solidFill>
+            <a:tailEnd type="triangle"/>
+          </a:ln>
+        </p:spPr>
+        <p:style>
+          <a:lnRef idx="1">
+            <a:schemeClr val="accent1"/>
+          </a:lnRef>
+          <a:fillRef idx="0">
+            <a:schemeClr val="accent1"/>
+          </a:fillRef>
+          <a:effectRef idx="0">
+            <a:schemeClr val="accent1"/>
+          </a:effectRef>
+          <a:fontRef idx="minor">
+            <a:schemeClr val="tx1"/>
+          </a:fontRef>
+        </p:style>
+      </p:cxnSp>
+      <p:sp>
+        <p:nvSpPr>
+          <p:cNvPr id="23" name="Curved Left Arrow 22"/>
+          <p:cNvSpPr/>
+          <p:nvPr/>
+        </p:nvSpPr>
+        <p:spPr>
+          <a:xfrm>
+            <a:off x="6901096" y="3889947"/>
+            <a:ext cx="734518" cy="1109272"/>
+          </a:xfrm>
+          <a:prstGeom prst="curvedLeftArrow">
+            <a:avLst/>
+          </a:prstGeom>
+        </p:spPr>
+        <p:style>
+          <a:lnRef idx="2">
+            <a:schemeClr val="dk1">
+              <a:shade val="50000"/>
+            </a:schemeClr>
+          </a:lnRef>
+          <a:fillRef idx="1">
+            <a:schemeClr val="dk1"/>
+          </a:fillRef>
+          <a:effectRef idx="0">
+            <a:schemeClr val="dk1"/>
+          </a:effectRef>
+          <a:fontRef idx="minor">
+            <a:schemeClr val="lt1"/>
+          </a:fontRef>
+        </p:style>
+        <p:txBody>
+          <a:bodyPr rtlCol="0" anchor="ctr"/>
+          <a:lstStyle/>
+          <a:p>
+            <a:pPr algn="ctr"/>
+            <a:endParaRPr lang="en-US">
+              <a:solidFill>
+                <a:schemeClr val="tx1"/>
+              </a:solidFill>
+            </a:endParaRPr>
+          </a:p>
+        </p:txBody>
+      </p:sp>
+      <p:sp>
+        <p:nvSpPr>
+          <p:cNvPr id="24" name="TextBox 23"/>
+          <p:cNvSpPr txBox="1"/>
+          <p:nvPr/>
+        </p:nvSpPr>
+        <p:spPr>
+          <a:xfrm>
+            <a:off x="7829238" y="4113199"/>
+            <a:ext cx="1704505" cy="461665"/>
+          </a:xfrm>
+          <a:prstGeom prst="rect">
+            <a:avLst/>
+          </a:prstGeom>
+          <a:noFill/>
+        </p:spPr>
+        <p:txBody>
+          <a:bodyPr wrap="square" rtlCol="0">
+            <a:spAutoFit/>
+          </a:bodyPr>
+          <a:lstStyle/>
+          <a:p>
+            <a:r>
+              <a:rPr lang="en-US" sz="2400" dirty="0" smtClean="0"/>
+              <a:t>Do Work</a:t>
+            </a:r>
+            <a:endParaRPr lang="en-US" sz="2400" dirty="0"/>
+          </a:p>
+        </p:txBody>
+      </p:sp>
+      <p:cxnSp>
+        <p:nvCxnSpPr>
+          <p:cNvPr id="26" name="Straight Arrow Connector 25"/>
+          <p:cNvCxnSpPr/>
+          <p:nvPr/>
+        </p:nvCxnSpPr>
+        <p:spPr>
+          <a:xfrm flipH="1" flipV="1">
+            <a:off x="3220387" y="5801193"/>
+            <a:ext cx="2650761" cy="14991"/>
+          </a:xfrm>
+          <a:prstGeom prst="straightConnector1">
+            <a:avLst/>
+          </a:prstGeom>
+          <a:ln w="38100">
+            <a:solidFill>
+              <a:schemeClr val="tx1"/>
+            </a:solidFill>
+            <a:tailEnd type="triangle"/>
+          </a:ln>
+        </p:spPr>
+        <p:style>
+          <a:lnRef idx="1">
+            <a:schemeClr val="accent1"/>
+          </a:lnRef>
+          <a:fillRef idx="0">
+            <a:schemeClr val="accent1"/>
+          </a:fillRef>
+          <a:effectRef idx="0">
+            <a:schemeClr val="accent1"/>
+          </a:effectRef>
+          <a:fontRef idx="minor">
+            <a:schemeClr val="tx1"/>
+          </a:fontRef>
+        </p:style>
+      </p:cxnSp>
+      <p:sp>
+        <p:nvSpPr>
+          <p:cNvPr id="32" name="TextBox 31"/>
+          <p:cNvSpPr txBox="1"/>
+          <p:nvPr/>
+        </p:nvSpPr>
+        <p:spPr>
+          <a:xfrm>
+            <a:off x="3410262" y="5874390"/>
+            <a:ext cx="2286000" cy="646331"/>
+          </a:xfrm>
+          <a:prstGeom prst="rect">
+            <a:avLst/>
+          </a:prstGeom>
+          <a:noFill/>
+        </p:spPr>
+        <p:txBody>
+          <a:bodyPr wrap="square" rtlCol="0">
+            <a:spAutoFit/>
+          </a:bodyPr>
+          <a:lstStyle/>
+          <a:p>
+            <a:r>
+              <a:rPr lang="en-US" dirty="0" smtClean="0"/>
+              <a:t>302 Found</a:t>
+            </a:r>
+          </a:p>
+          <a:p>
+            <a:r>
+              <a:rPr lang="en-US" dirty="0" smtClean="0"/>
+              <a:t>/student/index</a:t>
+            </a:r>
+            <a:endParaRPr lang="en-US" dirty="0"/>
+          </a:p>
+        </p:txBody>
+      </p:sp>
+    </p:spTree>
+    <p:extLst>
+      <p:ext uri="{BB962C8B-B14F-4D97-AF65-F5344CB8AC3E}">
+        <p14:creationId xmlns:p14="http://schemas.microsoft.com/office/powerpoint/2010/main" val="3651312267"/>
+      </p:ext>
+    </p:extLst>
+  </p:cSld>
+  <p:clrMapOvr>
+    <a:masterClrMapping/>
+  </p:clrMapOvr>
+  <p:timing>
+    <p:tnLst>
+      <p:par>
+        <p:cTn id="1" dur="indefinite" restart="never" nodeType="tmRoot">
+          <p:childTnLst>
+            <p:seq concurrent="1" nextAc="seek">
+              <p:cTn id="2" dur="indefinite" nodeType="mainSeq">
+                <p:childTnLst>
+                  <p:par>
+                    <p:cTn id="3" fill="hold">
+                      <p:stCondLst>
+                        <p:cond delay="indefinite"/>
+                      </p:stCondLst>
+                      <p:childTnLst>
+                        <p:par>
+                          <p:cTn id="4" fill="hold">
+                            <p:stCondLst>
+                              <p:cond delay="0"/>
+                            </p:stCondLst>
+                            <p:childTnLst>
+                              <p:par>
+                                <p:cTn id="5" presetID="1" presetClass="entr" presetSubtype="0" fill="hold" nodeType="clickEffect">
+                                  <p:stCondLst>
+                                    <p:cond delay="0"/>
+                                  </p:stCondLst>
+                                  <p:childTnLst>
+                                    <p:set>
+                                      <p:cBhvr>
+                                        <p:cTn id="6" dur="1" fill="hold">
+                                          <p:stCondLst>
+                                            <p:cond delay="0"/>
+                                          </p:stCondLst>
+                                        </p:cTn>
+                                        <p:tgtEl>
+                                          <p:spTgt spid="9"/>
+                                        </p:tgtEl>
+                                        <p:attrNameLst>
+                                          <p:attrName>style.visibility</p:attrName>
+                                        </p:attrNameLst>
+                                      </p:cBhvr>
+                                      <p:to>
+                                        <p:strVal val="visible"/>
+                                      </p:to>
+                                    </p:set>
+                                  </p:childTnLst>
+                                </p:cTn>
+                              </p:par>
+                              <p:par>
+                                <p:cTn id="7" presetID="1" presetClass="entr" presetSubtype="0" fill="hold" grpId="0" nodeType="withEffect">
+                                  <p:stCondLst>
+                                    <p:cond delay="0"/>
+                                  </p:stCondLst>
+                                  <p:childTnLst>
+                                    <p:set>
+                                      <p:cBhvr>
+                                        <p:cTn id="8" dur="1" fill="hold">
+                                          <p:stCondLst>
+                                            <p:cond delay="0"/>
+                                          </p:stCondLst>
+                                        </p:cTn>
+                                        <p:tgtEl>
+                                          <p:spTgt spid="10"/>
+                                        </p:tgtEl>
+                                        <p:attrNameLst>
+                                          <p:attrName>style.visibility</p:attrName>
+                                        </p:attrNameLst>
+                                      </p:cBhvr>
+                                      <p:to>
+                                        <p:strVal val="visible"/>
+                                      </p:to>
+                                    </p:set>
+                                  </p:childTnLst>
+                                </p:cTn>
+                              </p:par>
+                            </p:childTnLst>
+                          </p:cTn>
+                        </p:par>
+                      </p:childTnLst>
+                    </p:cTn>
+                  </p:par>
+                  <p:par>
+                    <p:cTn id="9" fill="hold">
+                      <p:stCondLst>
+                        <p:cond delay="indefinite"/>
+                      </p:stCondLst>
+                      <p:childTnLst>
+                        <p:par>
+                          <p:cTn id="10" fill="hold">
+                            <p:stCondLst>
+                              <p:cond delay="0"/>
+                            </p:stCondLst>
+                            <p:childTnLst>
+                              <p:par>
+                                <p:cTn id="11" presetID="1" presetClass="entr" presetSubtype="0" fill="hold" grpId="0" nodeType="clickEffect">
+                                  <p:stCondLst>
+                                    <p:cond delay="0"/>
+                                  </p:stCondLst>
+                                  <p:childTnLst>
+                                    <p:set>
+                                      <p:cBhvr>
+                                        <p:cTn id="12" dur="1" fill="hold">
+                                          <p:stCondLst>
+                                            <p:cond delay="0"/>
+                                          </p:stCondLst>
+                                        </p:cTn>
+                                        <p:tgtEl>
+                                          <p:spTgt spid="13"/>
+                                        </p:tgtEl>
+                                        <p:attrNameLst>
+                                          <p:attrName>style.visibility</p:attrName>
+                                        </p:attrNameLst>
+                                      </p:cBhvr>
+                                      <p:to>
+                                        <p:strVal val="visible"/>
+                                      </p:to>
+                                    </p:set>
+                                  </p:childTnLst>
+                                </p:cTn>
+                              </p:par>
+                              <p:par>
+                                <p:cTn id="13" presetID="1" presetClass="entr" presetSubtype="0" fill="hold" grpId="0" nodeType="withEffect">
+                                  <p:stCondLst>
+                                    <p:cond delay="0"/>
+                                  </p:stCondLst>
+                                  <p:childTnLst>
+                                    <p:set>
+                                      <p:cBhvr>
+                                        <p:cTn id="14" dur="1" fill="hold">
+                                          <p:stCondLst>
+                                            <p:cond delay="0"/>
+                                          </p:stCondLst>
+                                        </p:cTn>
+                                        <p:tgtEl>
+                                          <p:spTgt spid="14"/>
+                                        </p:tgtEl>
+                                        <p:attrNameLst>
+                                          <p:attrName>style.visibility</p:attrName>
+                                        </p:attrNameLst>
+                                      </p:cBhvr>
+                                      <p:to>
+                                        <p:strVal val="visible"/>
+                                      </p:to>
+                                    </p:set>
+                                  </p:childTnLst>
+                                </p:cTn>
+                              </p:par>
+                            </p:childTnLst>
+                          </p:cTn>
+                        </p:par>
+                      </p:childTnLst>
+                    </p:cTn>
+                  </p:par>
+                  <p:par>
+                    <p:cTn id="15" fill="hold">
+                      <p:stCondLst>
+                        <p:cond delay="indefinite"/>
+                      </p:stCondLst>
+                      <p:childTnLst>
+                        <p:par>
+                          <p:cTn id="16" fill="hold">
+                            <p:stCondLst>
+                              <p:cond delay="0"/>
+                            </p:stCondLst>
+                            <p:childTnLst>
+                              <p:par>
+                                <p:cTn id="17" presetID="1" presetClass="entr" presetSubtype="0" fill="hold" nodeType="clickEffect">
+                                  <p:stCondLst>
+                                    <p:cond delay="0"/>
+                                  </p:stCondLst>
+                                  <p:childTnLst>
+                                    <p:set>
+                                      <p:cBhvr>
+                                        <p:cTn id="18" dur="1" fill="hold">
+                                          <p:stCondLst>
+                                            <p:cond delay="0"/>
+                                          </p:stCondLst>
+                                        </p:cTn>
+                                        <p:tgtEl>
+                                          <p:spTgt spid="15"/>
+                                        </p:tgtEl>
+                                        <p:attrNameLst>
+                                          <p:attrName>style.visibility</p:attrName>
+                                        </p:attrNameLst>
+                                      </p:cBhvr>
+                                      <p:to>
+                                        <p:strVal val="visible"/>
+                                      </p:to>
+                                    </p:set>
+                                  </p:childTnLst>
+                                </p:cTn>
+                              </p:par>
+                              <p:par>
+                                <p:cTn id="19" presetID="1" presetClass="entr" presetSubtype="0" fill="hold" grpId="0" nodeType="withEffect">
+                                  <p:stCondLst>
+                                    <p:cond delay="0"/>
+                                  </p:stCondLst>
+                                  <p:childTnLst>
+                                    <p:set>
+                                      <p:cBhvr>
+                                        <p:cTn id="20" dur="1" fill="hold">
+                                          <p:stCondLst>
+                                            <p:cond delay="0"/>
+                                          </p:stCondLst>
+                                        </p:cTn>
+                                        <p:tgtEl>
+                                          <p:spTgt spid="18"/>
+                                        </p:tgtEl>
+                                        <p:attrNameLst>
+                                          <p:attrName>style.visibility</p:attrName>
+                                        </p:attrNameLst>
+                                      </p:cBhvr>
+                                      <p:to>
+                                        <p:strVal val="visible"/>
+                                      </p:to>
+                                    </p:set>
+                                  </p:childTnLst>
+                                </p:cTn>
+                              </p:par>
+                            </p:childTnLst>
+                          </p:cTn>
+                        </p:par>
+                      </p:childTnLst>
+                    </p:cTn>
+                  </p:par>
+                  <p:par>
+                    <p:cTn id="21" fill="hold">
+                      <p:stCondLst>
+                        <p:cond delay="indefinite"/>
+                      </p:stCondLst>
+                      <p:childTnLst>
+                        <p:par>
+                          <p:cTn id="22" fill="hold">
+                            <p:stCondLst>
+                              <p:cond delay="0"/>
+                            </p:stCondLst>
+                            <p:childTnLst>
+                              <p:par>
+                                <p:cTn id="23" presetID="1" presetClass="exit" presetSubtype="0" fill="hold" nodeType="clickEffect">
+                                  <p:stCondLst>
+                                    <p:cond delay="0"/>
+                                  </p:stCondLst>
+                                  <p:childTnLst>
+                                    <p:set>
+                                      <p:cBhvr>
+                                        <p:cTn id="24" dur="1" fill="hold">
+                                          <p:stCondLst>
+                                            <p:cond delay="0"/>
+                                          </p:stCondLst>
+                                        </p:cTn>
+                                        <p:tgtEl>
+                                          <p:spTgt spid="15"/>
+                                        </p:tgtEl>
+                                        <p:attrNameLst>
+                                          <p:attrName>style.visibility</p:attrName>
+                                        </p:attrNameLst>
+                                      </p:cBhvr>
+                                      <p:to>
+                                        <p:strVal val="hidden"/>
+                                      </p:to>
+                                    </p:set>
+                                  </p:childTnLst>
+                                </p:cTn>
+                              </p:par>
+                              <p:par>
+                                <p:cTn id="25" presetID="1" presetClass="exit" presetSubtype="0" fill="hold" grpId="1" nodeType="withEffect">
+                                  <p:stCondLst>
+                                    <p:cond delay="0"/>
+                                  </p:stCondLst>
+                                  <p:childTnLst>
+                                    <p:set>
+                                      <p:cBhvr>
+                                        <p:cTn id="26" dur="1" fill="hold">
+                                          <p:stCondLst>
+                                            <p:cond delay="0"/>
+                                          </p:stCondLst>
+                                        </p:cTn>
+                                        <p:tgtEl>
+                                          <p:spTgt spid="18"/>
+                                        </p:tgtEl>
+                                        <p:attrNameLst>
+                                          <p:attrName>style.visibility</p:attrName>
+                                        </p:attrNameLst>
+                                      </p:cBhvr>
+                                      <p:to>
+                                        <p:strVal val="hidden"/>
+                                      </p:to>
+                                    </p:set>
+                                  </p:childTnLst>
+                                </p:cTn>
+                              </p:par>
+                            </p:childTnLst>
+                          </p:cTn>
+                        </p:par>
+                      </p:childTnLst>
+                    </p:cTn>
+                  </p:par>
+                  <p:par>
+                    <p:cTn id="27" fill="hold">
+                      <p:stCondLst>
+                        <p:cond delay="indefinite"/>
+                      </p:stCondLst>
+                      <p:childTnLst>
+                        <p:par>
+                          <p:cTn id="28" fill="hold">
+                            <p:stCondLst>
+                              <p:cond delay="0"/>
+                            </p:stCondLst>
+                            <p:childTnLst>
+                              <p:par>
+                                <p:cTn id="29" presetID="1" presetClass="entr" presetSubtype="0" fill="hold" grpId="0" nodeType="clickEffect">
+                                  <p:stCondLst>
+                                    <p:cond delay="0"/>
+                                  </p:stCondLst>
+                                  <p:childTnLst>
+                                    <p:set>
+                                      <p:cBhvr>
+                                        <p:cTn id="30" dur="1" fill="hold">
+                                          <p:stCondLst>
+                                            <p:cond delay="0"/>
+                                          </p:stCondLst>
+                                        </p:cTn>
+                                        <p:tgtEl>
+                                          <p:spTgt spid="23"/>
+                                        </p:tgtEl>
+                                        <p:attrNameLst>
+                                          <p:attrName>style.visibility</p:attrName>
+                                        </p:attrNameLst>
+                                      </p:cBhvr>
+                                      <p:to>
+                                        <p:strVal val="visible"/>
+                                      </p:to>
+                                    </p:set>
+                                  </p:childTnLst>
+                                </p:cTn>
+                              </p:par>
+                              <p:par>
+                                <p:cTn id="31" presetID="1" presetClass="entr" presetSubtype="0" fill="hold" grpId="0" nodeType="withEffect">
+                                  <p:stCondLst>
+                                    <p:cond delay="0"/>
+                                  </p:stCondLst>
+                                  <p:childTnLst>
+                                    <p:set>
+                                      <p:cBhvr>
+                                        <p:cTn id="32" dur="1" fill="hold">
+                                          <p:stCondLst>
+                                            <p:cond delay="0"/>
+                                          </p:stCondLst>
+                                        </p:cTn>
+                                        <p:tgtEl>
+                                          <p:spTgt spid="24"/>
+                                        </p:tgtEl>
+                                        <p:attrNameLst>
+                                          <p:attrName>style.visibility</p:attrName>
+                                        </p:attrNameLst>
+                                      </p:cBhvr>
+                                      <p:to>
+                                        <p:strVal val="visible"/>
+                                      </p:to>
+                                    </p:set>
+                                  </p:childTnLst>
+                                </p:cTn>
+                              </p:par>
+                            </p:childTnLst>
+                          </p:cTn>
+                        </p:par>
+                      </p:childTnLst>
+                    </p:cTn>
+                  </p:par>
+                  <p:par>
+                    <p:cTn id="33" fill="hold">
+                      <p:stCondLst>
+                        <p:cond delay="indefinite"/>
+                      </p:stCondLst>
+                      <p:childTnLst>
+                        <p:par>
+                          <p:cTn id="34" fill="hold">
+                            <p:stCondLst>
+                              <p:cond delay="0"/>
+                            </p:stCondLst>
+                            <p:childTnLst>
+                              <p:par>
+                                <p:cTn id="35" presetID="1" presetClass="entr" presetSubtype="0" fill="hold" nodeType="clickEffect">
+                                  <p:stCondLst>
+                                    <p:cond delay="0"/>
+                                  </p:stCondLst>
+                                  <p:childTnLst>
+                                    <p:set>
+                                      <p:cBhvr>
+                                        <p:cTn id="36" dur="1" fill="hold">
+                                          <p:stCondLst>
+                                            <p:cond delay="0"/>
+                                          </p:stCondLst>
+                                        </p:cTn>
+                                        <p:tgtEl>
+                                          <p:spTgt spid="19"/>
+                                        </p:tgtEl>
+                                        <p:attrNameLst>
+                                          <p:attrName>style.visibility</p:attrName>
+                                        </p:attrNameLst>
+                                      </p:cBhvr>
+                                      <p:to>
+                                        <p:strVal val="visible"/>
+                                      </p:to>
+                                    </p:set>
+                                  </p:childTnLst>
+                                </p:cTn>
+                              </p:par>
+                            </p:childTnLst>
+                          </p:cTn>
+                        </p:par>
+                      </p:childTnLst>
+                    </p:cTn>
+                  </p:par>
+                  <p:par>
+                    <p:cTn id="37" fill="hold">
+                      <p:stCondLst>
+                        <p:cond delay="indefinite"/>
+                      </p:stCondLst>
+                      <p:childTnLst>
+                        <p:par>
+                          <p:cTn id="38" fill="hold">
+                            <p:stCondLst>
+                              <p:cond delay="0"/>
+                            </p:stCondLst>
+                            <p:childTnLst>
+                              <p:par>
+                                <p:cTn id="39" presetID="1" presetClass="entr" presetSubtype="0" fill="hold" nodeType="clickEffect">
+                                  <p:stCondLst>
+                                    <p:cond delay="0"/>
+                                  </p:stCondLst>
+                                  <p:childTnLst>
+                                    <p:set>
+                                      <p:cBhvr>
+                                        <p:cTn id="40" dur="1" fill="hold">
+                                          <p:stCondLst>
+                                            <p:cond delay="0"/>
+                                          </p:stCondLst>
+                                        </p:cTn>
+                                        <p:tgtEl>
+                                          <p:spTgt spid="26"/>
+                                        </p:tgtEl>
+                                        <p:attrNameLst>
+                                          <p:attrName>style.visibility</p:attrName>
+                                        </p:attrNameLst>
+                                      </p:cBhvr>
+                                      <p:to>
+                                        <p:strVal val="visible"/>
+                                      </p:to>
+                                    </p:set>
+                                  </p:childTnLst>
+                                </p:cTn>
+                              </p:par>
+                              <p:par>
+                                <p:cTn id="41" presetID="1" presetClass="entr" presetSubtype="0" fill="hold" grpId="0" nodeType="withEffect">
+                                  <p:stCondLst>
+                                    <p:cond delay="0"/>
+                                  </p:stCondLst>
+                                  <p:childTnLst>
+                                    <p:set>
+                                      <p:cBhvr>
+                                        <p:cTn id="42" dur="1" fill="hold">
+                                          <p:stCondLst>
+                                            <p:cond delay="0"/>
+                                          </p:stCondLst>
+                                        </p:cTn>
+                                        <p:tgtEl>
+                                          <p:spTgt spid="32"/>
+                                        </p:tgtEl>
+                                        <p:attrNameLst>
+                                          <p:attrName>style.visibility</p:attrName>
+                                        </p:attrNameLst>
+                                      </p:cBhvr>
+                                      <p:to>
+                                        <p:strVal val="visible"/>
+                                      </p:to>
+                                    </p:set>
+                                  </p:childTnLst>
+                                </p:cTn>
+                              </p:par>
+                            </p:childTnLst>
+                          </p:cTn>
+                        </p:par>
+                      </p:childTnLst>
+                    </p:cTn>
+                  </p:par>
+                </p:childTnLst>
+              </p:cTn>
+              <p:prevCondLst>
+                <p:cond evt="onPrev" delay="0">
+                  <p:tgtEl>
+                    <p:sldTgt/>
+                  </p:tgtEl>
+                </p:cond>
+              </p:prevCondLst>
+              <p:nextCondLst>
+                <p:cond evt="onNext" delay="0">
+                  <p:tgtEl>
+                    <p:sldTgt/>
+                  </p:tgtEl>
+                </p:cond>
+              </p:nextCondLst>
+            </p:seq>
+          </p:childTnLst>
+        </p:cTn>
+      </p:par>
+    </p:tnLst>
+    <p:bldLst>
+      <p:bldP spid="10" grpId="0"/>
+      <p:bldP spid="13" grpId="0" animBg="1"/>
+      <p:bldP spid="14" grpId="0"/>
+      <p:bldP spid="18" grpId="0"/>
+      <p:bldP spid="18" grpId="1"/>
+      <p:bldP spid="23" grpId="0" animBg="1"/>
+      <p:bldP spid="24" grpId="0"/>
+      <p:bldP spid="32" grpId="0"/>
+    </p:bldLst>
   </p:timing>
 </p:sld>
 </file>
@@ -3721,9 +6299,9 @@
 </file>
 
 <file path=ppt/theme/theme1.xml><?xml version="1.0" encoding="utf-8"?>
-<a:theme xmlns:a="http://schemas.openxmlformats.org/drawingml/2006/main" name="Office Theme">
+<a:theme xmlns:a="http://schemas.openxmlformats.org/drawingml/2006/main" name="1_Office Theme">
   <a:themeElements>
-    <a:clrScheme name="Office Theme">
+    <a:clrScheme name="Office">
       <a:dk1>
         <a:sysClr val="windowText" lastClr="000000"/>
       </a:dk1>
@@ -3773,7 +6351,7 @@
         <a:cs typeface=""/>
       </a:minorFont>
     </a:fontScheme>
-    <a:fmtScheme name="Office Theme">
+    <a:fmtScheme name="Office">
       <a:fillStyleLst>
         <a:solidFill>
           <a:schemeClr val="phClr"/>
